--- a/optimization/k8s-automation/st-architecture.pptx
+++ b/optimization/k8s-automation/st-architecture.pptx
@@ -4231,47 +4231,6 @@
           </a:fontRef>
         </p:style>
       </p:cxnSp>
-      <p:cxnSp>
-        <p:nvCxnSpPr>
-          <p:cNvPr id="70" name="Straight Connector 69">
-            <a:extLst>
-              <a:ext uri="{FF2B5EF4-FFF2-40B4-BE49-F238E27FC236}">
-                <a16:creationId xmlns:a16="http://schemas.microsoft.com/office/drawing/2014/main" id="{70CDC194-322B-F94A-9CF0-32687C3F01F0}"/>
-              </a:ext>
-            </a:extLst>
-          </p:cNvPr>
-          <p:cNvCxnSpPr>
-            <a:cxnSpLocks/>
-            <a:stCxn id="16" idx="0"/>
-            <a:endCxn id="1024" idx="2"/>
-          </p:cNvCxnSpPr>
-          <p:nvPr/>
-        </p:nvCxnSpPr>
-        <p:spPr>
-          <a:xfrm>
-            <a:off x="11295014" y="5656607"/>
-            <a:ext cx="176349" cy="0"/>
-          </a:xfrm>
-          <a:prstGeom prst="line">
-            <a:avLst/>
-          </a:prstGeom>
-          <a:ln w="28575"/>
-        </p:spPr>
-        <p:style>
-          <a:lnRef idx="1">
-            <a:schemeClr val="accent1"/>
-          </a:lnRef>
-          <a:fillRef idx="0">
-            <a:schemeClr val="accent1"/>
-          </a:fillRef>
-          <a:effectRef idx="0">
-            <a:schemeClr val="accent1"/>
-          </a:effectRef>
-          <a:fontRef idx="minor">
-            <a:schemeClr val="tx1"/>
-          </a:fontRef>
-        </p:style>
-      </p:cxnSp>
       <p:sp>
         <p:nvSpPr>
           <p:cNvPr id="73" name="Hexagon 72">
@@ -4727,7 +4686,7 @@
           <a:p>
             <a:r>
               <a:rPr lang="en-US" sz="900" dirty="0"/>
-              <a:t>Proxy intercepts and forward all requests to the app, counting how many times they occur</a:t>
+              <a:t>Proxy intercepts and forwards all http requests to the app, counting how many times they occur</a:t>
             </a:r>
           </a:p>
         </p:txBody>
@@ -5122,6 +5081,82 @@
           </a:p>
         </p:txBody>
       </p:sp>
+      <p:sp>
+        <p:nvSpPr>
+          <p:cNvPr id="160" name="TextBox 159">
+            <a:extLst>
+              <a:ext uri="{FF2B5EF4-FFF2-40B4-BE49-F238E27FC236}">
+                <a16:creationId xmlns:a16="http://schemas.microsoft.com/office/drawing/2014/main" id="{BD538E90-3CAD-864D-B0D3-965F7DDE7AB2}"/>
+              </a:ext>
+            </a:extLst>
+          </p:cNvPr>
+          <p:cNvSpPr txBox="1"/>
+          <p:nvPr/>
+        </p:nvSpPr>
+        <p:spPr>
+          <a:xfrm>
+            <a:off x="3193098" y="4650738"/>
+            <a:ext cx="895325" cy="230832"/>
+          </a:xfrm>
+          <a:prstGeom prst="rect">
+            <a:avLst/>
+          </a:prstGeom>
+          <a:noFill/>
+        </p:spPr>
+        <p:txBody>
+          <a:bodyPr wrap="square" rtlCol="0">
+            <a:spAutoFit/>
+          </a:bodyPr>
+          <a:lstStyle/>
+          <a:p>
+            <a:r>
+              <a:rPr lang="en-US" sz="900" dirty="0"/>
+              <a:t>Reloader + API</a:t>
+            </a:r>
+          </a:p>
+        </p:txBody>
+      </p:sp>
+      <p:cxnSp>
+        <p:nvCxnSpPr>
+          <p:cNvPr id="83" name="Straight Connector 82">
+            <a:extLst>
+              <a:ext uri="{FF2B5EF4-FFF2-40B4-BE49-F238E27FC236}">
+                <a16:creationId xmlns:a16="http://schemas.microsoft.com/office/drawing/2014/main" id="{7C4B5AAE-99C3-D246-A65F-8B76252CC4E7}"/>
+              </a:ext>
+            </a:extLst>
+          </p:cNvPr>
+          <p:cNvCxnSpPr>
+            <a:cxnSpLocks/>
+            <a:stCxn id="84" idx="1"/>
+            <a:endCxn id="160" idx="0"/>
+          </p:cNvCxnSpPr>
+          <p:nvPr/>
+        </p:nvCxnSpPr>
+        <p:spPr>
+          <a:xfrm>
+            <a:off x="3475488" y="4212965"/>
+            <a:ext cx="165273" cy="437773"/>
+          </a:xfrm>
+          <a:prstGeom prst="line">
+            <a:avLst/>
+          </a:prstGeom>
+          <a:ln w="19050"/>
+        </p:spPr>
+        <p:style>
+          <a:lnRef idx="1">
+            <a:schemeClr val="accent1"/>
+          </a:lnRef>
+          <a:fillRef idx="0">
+            <a:schemeClr val="accent1"/>
+          </a:fillRef>
+          <a:effectRef idx="0">
+            <a:schemeClr val="accent1"/>
+          </a:effectRef>
+          <a:fontRef idx="minor">
+            <a:schemeClr val="tx1"/>
+          </a:fontRef>
+        </p:style>
+      </p:cxnSp>
     </p:spTree>
     <p:extLst>
       <p:ext uri="{BB962C8B-B14F-4D97-AF65-F5344CB8AC3E}">
@@ -5211,7 +5246,7 @@
           <a:p>
             <a:r>
               <a:rPr lang="en-US" dirty="0"/>
-              <a:t>Independent of application: SmartTuning automatically identifies App’s interface and the histograms through proxies</a:t>
+              <a:t>Independent of application: SmartTuning automatically identifies App’s interface and their histograms through proxies</a:t>
             </a:r>
           </a:p>
           <a:p>

--- a/optimization/k8s-automation/st-architecture.pptx
+++ b/optimization/k8s-automation/st-architecture.pptx
@@ -6,7 +6,6 @@
   </p:sldMasterIdLst>
   <p:sldIdLst>
     <p:sldId id="256" r:id="rId2"/>
-    <p:sldId id="257" r:id="rId3"/>
   </p:sldIdLst>
   <p:sldSz cx="12192000" cy="6858000"/>
   <p:notesSz cx="6858000" cy="9144000"/>
@@ -105,6 +104,11 @@
       </a:defRPr>
     </a:lvl9pPr>
   </p:defaultTextStyle>
+  <p:extLst>
+    <p:ext uri="{EFAFB233-063F-42B5-8137-9DF3F51BA10A}">
+      <p15:sldGuideLst xmlns:p15="http://schemas.microsoft.com/office/powerpoint/2012/main"/>
+    </p:ext>
+  </p:extLst>
 </p:presentation>
 </file>
 
@@ -239,7 +243,7 @@
           <a:p>
             <a:fld id="{B1197E15-315D-6C4E-84BE-9536A06A5A5E}" type="datetimeFigureOut">
               <a:rPr lang="en-US" smtClean="0"/>
-              <a:t>4/21/20</a:t>
+              <a:t>4/27/20</a:t>
             </a:fld>
             <a:endParaRPr lang="en-US"/>
           </a:p>
@@ -409,7 +413,7 @@
           <a:p>
             <a:fld id="{B1197E15-315D-6C4E-84BE-9536A06A5A5E}" type="datetimeFigureOut">
               <a:rPr lang="en-US" smtClean="0"/>
-              <a:t>4/21/20</a:t>
+              <a:t>4/27/20</a:t>
             </a:fld>
             <a:endParaRPr lang="en-US"/>
           </a:p>
@@ -589,7 +593,7 @@
           <a:p>
             <a:fld id="{B1197E15-315D-6C4E-84BE-9536A06A5A5E}" type="datetimeFigureOut">
               <a:rPr lang="en-US" smtClean="0"/>
-              <a:t>4/21/20</a:t>
+              <a:t>4/27/20</a:t>
             </a:fld>
             <a:endParaRPr lang="en-US"/>
           </a:p>
@@ -759,7 +763,7 @@
           <a:p>
             <a:fld id="{B1197E15-315D-6C4E-84BE-9536A06A5A5E}" type="datetimeFigureOut">
               <a:rPr lang="en-US" smtClean="0"/>
-              <a:t>4/21/20</a:t>
+              <a:t>4/27/20</a:t>
             </a:fld>
             <a:endParaRPr lang="en-US"/>
           </a:p>
@@ -1005,7 +1009,7 @@
           <a:p>
             <a:fld id="{B1197E15-315D-6C4E-84BE-9536A06A5A5E}" type="datetimeFigureOut">
               <a:rPr lang="en-US" smtClean="0"/>
-              <a:t>4/21/20</a:t>
+              <a:t>4/27/20</a:t>
             </a:fld>
             <a:endParaRPr lang="en-US"/>
           </a:p>
@@ -1237,7 +1241,7 @@
           <a:p>
             <a:fld id="{B1197E15-315D-6C4E-84BE-9536A06A5A5E}" type="datetimeFigureOut">
               <a:rPr lang="en-US" smtClean="0"/>
-              <a:t>4/21/20</a:t>
+              <a:t>4/27/20</a:t>
             </a:fld>
             <a:endParaRPr lang="en-US"/>
           </a:p>
@@ -1604,7 +1608,7 @@
           <a:p>
             <a:fld id="{B1197E15-315D-6C4E-84BE-9536A06A5A5E}" type="datetimeFigureOut">
               <a:rPr lang="en-US" smtClean="0"/>
-              <a:t>4/21/20</a:t>
+              <a:t>4/27/20</a:t>
             </a:fld>
             <a:endParaRPr lang="en-US"/>
           </a:p>
@@ -1722,7 +1726,7 @@
           <a:p>
             <a:fld id="{B1197E15-315D-6C4E-84BE-9536A06A5A5E}" type="datetimeFigureOut">
               <a:rPr lang="en-US" smtClean="0"/>
-              <a:t>4/21/20</a:t>
+              <a:t>4/27/20</a:t>
             </a:fld>
             <a:endParaRPr lang="en-US"/>
           </a:p>
@@ -1817,7 +1821,7 @@
           <a:p>
             <a:fld id="{B1197E15-315D-6C4E-84BE-9536A06A5A5E}" type="datetimeFigureOut">
               <a:rPr lang="en-US" smtClean="0"/>
-              <a:t>4/21/20</a:t>
+              <a:t>4/27/20</a:t>
             </a:fld>
             <a:endParaRPr lang="en-US"/>
           </a:p>
@@ -2094,7 +2098,7 @@
           <a:p>
             <a:fld id="{B1197E15-315D-6C4E-84BE-9536A06A5A5E}" type="datetimeFigureOut">
               <a:rPr lang="en-US" smtClean="0"/>
-              <a:t>4/21/20</a:t>
+              <a:t>4/27/20</a:t>
             </a:fld>
             <a:endParaRPr lang="en-US"/>
           </a:p>
@@ -2351,7 +2355,7 @@
           <a:p>
             <a:fld id="{B1197E15-315D-6C4E-84BE-9536A06A5A5E}" type="datetimeFigureOut">
               <a:rPr lang="en-US" smtClean="0"/>
-              <a:t>4/21/20</a:t>
+              <a:t>4/27/20</a:t>
             </a:fld>
             <a:endParaRPr lang="en-US"/>
           </a:p>
@@ -2564,7 +2568,7 @@
           <a:p>
             <a:fld id="{B1197E15-315D-6C4E-84BE-9536A06A5A5E}" type="datetimeFigureOut">
               <a:rPr lang="en-US" smtClean="0"/>
-              <a:t>4/21/20</a:t>
+              <a:t>4/27/20</a:t>
             </a:fld>
             <a:endParaRPr lang="en-US"/>
           </a:p>
@@ -2971,56 +2975,6 @@
       </p:grpSpPr>
       <p:sp>
         <p:nvSpPr>
-          <p:cNvPr id="29" name="Rectangle 28">
-            <a:extLst>
-              <a:ext uri="{FF2B5EF4-FFF2-40B4-BE49-F238E27FC236}">
-                <a16:creationId xmlns:a16="http://schemas.microsoft.com/office/drawing/2014/main" id="{C9709091-FE1D-7242-A054-0406AA699247}"/>
-              </a:ext>
-            </a:extLst>
-          </p:cNvPr>
-          <p:cNvSpPr/>
-          <p:nvPr/>
-        </p:nvSpPr>
-        <p:spPr>
-          <a:xfrm>
-            <a:off x="648788" y="644434"/>
-            <a:ext cx="7894321" cy="5738949"/>
-          </a:xfrm>
-          <a:prstGeom prst="rect">
-            <a:avLst/>
-          </a:prstGeom>
-          <a:ln w="9525">
-            <a:solidFill>
-              <a:schemeClr val="tx1"/>
-            </a:solidFill>
-            <a:prstDash val="dash"/>
-          </a:ln>
-        </p:spPr>
-        <p:style>
-          <a:lnRef idx="1">
-            <a:schemeClr val="accent6"/>
-          </a:lnRef>
-          <a:fillRef idx="2">
-            <a:schemeClr val="accent6"/>
-          </a:fillRef>
-          <a:effectRef idx="1">
-            <a:schemeClr val="accent6"/>
-          </a:effectRef>
-          <a:fontRef idx="minor">
-            <a:schemeClr val="dk1"/>
-          </a:fontRef>
-        </p:style>
-        <p:txBody>
-          <a:bodyPr rtlCol="0" anchor="ctr"/>
-          <a:lstStyle/>
-          <a:p>
-            <a:pPr algn="ctr"/>
-            <a:endParaRPr lang="en-US" dirty="0"/>
-          </a:p>
-        </p:txBody>
-      </p:sp>
-      <p:sp>
-        <p:nvSpPr>
           <p:cNvPr id="4" name="Rounded Rectangle 3">
             <a:extLst>
               <a:ext uri="{FF2B5EF4-FFF2-40B4-BE49-F238E27FC236}">
@@ -3459,6 +3413,13 @@
             <a:pPr algn="ctr"/>
             <a:r>
               <a:rPr lang="en-US" dirty="0"/>
+              <a:t>Smart</a:t>
+            </a:r>
+          </a:p>
+          <a:p>
+            <a:pPr algn="ctr"/>
+            <a:r>
+              <a:rPr lang="en-US" dirty="0"/>
               <a:t>Tuning</a:t>
             </a:r>
           </a:p>
@@ -3923,60 +3884,6 @@
           </a:fontRef>
         </p:style>
       </p:cxnSp>
-      <p:sp>
-        <p:nvSpPr>
-          <p:cNvPr id="50" name="Hexagon 49">
-            <a:extLst>
-              <a:ext uri="{FF2B5EF4-FFF2-40B4-BE49-F238E27FC236}">
-                <a16:creationId xmlns:a16="http://schemas.microsoft.com/office/drawing/2014/main" id="{DC09D7D6-1636-A542-A847-6F16C9D8211A}"/>
-              </a:ext>
-            </a:extLst>
-          </p:cNvPr>
-          <p:cNvSpPr/>
-          <p:nvPr/>
-        </p:nvSpPr>
-        <p:spPr>
-          <a:xfrm>
-            <a:off x="10747821" y="3381494"/>
-            <a:ext cx="1262743" cy="1036320"/>
-          </a:xfrm>
-          <a:prstGeom prst="hexagon">
-            <a:avLst/>
-          </a:prstGeom>
-        </p:spPr>
-        <p:style>
-          <a:lnRef idx="3">
-            <a:schemeClr val="lt1"/>
-          </a:lnRef>
-          <a:fillRef idx="1">
-            <a:schemeClr val="accent2"/>
-          </a:fillRef>
-          <a:effectRef idx="1">
-            <a:schemeClr val="accent2"/>
-          </a:effectRef>
-          <a:fontRef idx="minor">
-            <a:schemeClr val="lt1"/>
-          </a:fontRef>
-        </p:style>
-        <p:txBody>
-          <a:bodyPr rtlCol="0" anchor="ctr"/>
-          <a:lstStyle/>
-          <a:p>
-            <a:pPr algn="ctr"/>
-            <a:r>
-              <a:rPr lang="en-US" sz="1200" dirty="0"/>
-              <a:t>Workload</a:t>
-            </a:r>
-          </a:p>
-          <a:p>
-            <a:pPr algn="ctr"/>
-            <a:r>
-              <a:rPr lang="en-US" sz="1200" dirty="0"/>
-              <a:t>Handler</a:t>
-            </a:r>
-          </a:p>
-        </p:txBody>
-      </p:sp>
       <p:cxnSp>
         <p:nvCxnSpPr>
           <p:cNvPr id="51" name="Straight Connector 50">
@@ -3988,48 +3895,7 @@
           </p:cNvPr>
           <p:cNvCxnSpPr>
             <a:cxnSpLocks/>
-            <a:stCxn id="50" idx="4"/>
-            <a:endCxn id="11" idx="1"/>
-          </p:cNvCxnSpPr>
-          <p:nvPr/>
-        </p:nvCxnSpPr>
-        <p:spPr>
-          <a:xfrm flipH="1" flipV="1">
-            <a:off x="11002553" y="2316475"/>
-            <a:ext cx="4348" cy="1065019"/>
-          </a:xfrm>
-          <a:prstGeom prst="line">
-            <a:avLst/>
-          </a:prstGeom>
-          <a:ln w="28575"/>
-        </p:spPr>
-        <p:style>
-          <a:lnRef idx="1">
-            <a:schemeClr val="accent1"/>
-          </a:lnRef>
-          <a:fillRef idx="0">
-            <a:schemeClr val="accent1"/>
-          </a:fillRef>
-          <a:effectRef idx="0">
-            <a:schemeClr val="accent1"/>
-          </a:effectRef>
-          <a:fontRef idx="minor">
-            <a:schemeClr val="tx1"/>
-          </a:fontRef>
-        </p:style>
-      </p:cxnSp>
-      <p:cxnSp>
-        <p:nvCxnSpPr>
-          <p:cNvPr id="53" name="Straight Connector 52">
-            <a:extLst>
-              <a:ext uri="{FF2B5EF4-FFF2-40B4-BE49-F238E27FC236}">
-                <a16:creationId xmlns:a16="http://schemas.microsoft.com/office/drawing/2014/main" id="{F8CFFCDB-D847-4843-B4EF-D21E5D1053C5}"/>
-              </a:ext>
-            </a:extLst>
-          </p:cNvPr>
-          <p:cNvCxnSpPr>
-            <a:cxnSpLocks/>
-            <a:stCxn id="16" idx="4"/>
+            <a:stCxn id="16" idx="5"/>
             <a:endCxn id="11" idx="2"/>
           </p:cNvCxnSpPr>
           <p:nvPr/>
@@ -4037,7 +3903,7 @@
         <p:spPr>
           <a:xfrm flipH="1" flipV="1">
             <a:off x="10257970" y="2316475"/>
-            <a:ext cx="33381" cy="2821972"/>
+            <a:ext cx="777964" cy="2821972"/>
           </a:xfrm>
           <a:prstGeom prst="line">
             <a:avLst/>
@@ -4103,47 +3969,6 @@
           </a:fontRef>
         </p:style>
       </p:cxnSp>
-      <p:cxnSp>
-        <p:nvCxnSpPr>
-          <p:cNvPr id="62" name="Straight Connector 61">
-            <a:extLst>
-              <a:ext uri="{FF2B5EF4-FFF2-40B4-BE49-F238E27FC236}">
-                <a16:creationId xmlns:a16="http://schemas.microsoft.com/office/drawing/2014/main" id="{21CD27D2-45D1-A445-B9A6-BDF9D2400049}"/>
-              </a:ext>
-            </a:extLst>
-          </p:cNvPr>
-          <p:cNvCxnSpPr>
-            <a:cxnSpLocks/>
-            <a:stCxn id="16" idx="5"/>
-            <a:endCxn id="50" idx="2"/>
-          </p:cNvCxnSpPr>
-          <p:nvPr/>
-        </p:nvCxnSpPr>
-        <p:spPr>
-          <a:xfrm flipH="1" flipV="1">
-            <a:off x="11006901" y="4417814"/>
-            <a:ext cx="29033" cy="720633"/>
-          </a:xfrm>
-          <a:prstGeom prst="line">
-            <a:avLst/>
-          </a:prstGeom>
-          <a:ln w="28575"/>
-        </p:spPr>
-        <p:style>
-          <a:lnRef idx="1">
-            <a:schemeClr val="accent1"/>
-          </a:lnRef>
-          <a:fillRef idx="0">
-            <a:schemeClr val="accent1"/>
-          </a:fillRef>
-          <a:effectRef idx="0">
-            <a:schemeClr val="accent1"/>
-          </a:effectRef>
-          <a:fontRef idx="minor">
-            <a:schemeClr val="tx1"/>
-          </a:fontRef>
-        </p:style>
-      </p:cxnSp>
       <p:sp>
         <p:nvSpPr>
           <p:cNvPr id="1024" name="Can 1023">
@@ -4158,7 +3983,7 @@
         </p:nvSpPr>
         <p:spPr>
           <a:xfrm>
-            <a:off x="11471363" y="5251661"/>
+            <a:off x="11450832" y="5887222"/>
             <a:ext cx="631373" cy="809892"/>
           </a:xfrm>
           <a:prstGeom prst="can">
@@ -4202,14 +4027,14 @@
           <p:cNvCxnSpPr>
             <a:cxnSpLocks/>
             <a:stCxn id="1024" idx="1"/>
-            <a:endCxn id="50" idx="1"/>
+            <a:endCxn id="16" idx="0"/>
           </p:cNvCxnSpPr>
           <p:nvPr/>
         </p:nvCxnSpPr>
         <p:spPr>
           <a:xfrm flipH="1" flipV="1">
-            <a:off x="11751484" y="4417814"/>
-            <a:ext cx="35566" cy="833847"/>
+            <a:off x="11295014" y="5656607"/>
+            <a:ext cx="471505" cy="230615"/>
           </a:xfrm>
           <a:prstGeom prst="line">
             <a:avLst/>
@@ -4375,8 +4200,8 @@
           <a:p>
             <a:pPr algn="ctr"/>
             <a:r>
-              <a:rPr lang="en-US" sz="1400" dirty="0"/>
-              <a:t>Sync</a:t>
+              <a:rPr lang="en-US" sz="1100" dirty="0"/>
+              <a:t>Reloader</a:t>
             </a:r>
           </a:p>
         </p:txBody>
@@ -4392,20 +4217,19 @@
           </p:cNvPr>
           <p:cNvCxnSpPr>
             <a:cxnSpLocks/>
-            <a:stCxn id="84" idx="2"/>
-            <a:endCxn id="50" idx="3"/>
+            <a:stCxn id="80" idx="2"/>
+            <a:endCxn id="16" idx="2"/>
           </p:cNvCxnSpPr>
           <p:nvPr/>
         </p:nvCxnSpPr>
         <p:spPr>
-          <a:xfrm rot="5400000" flipH="1" flipV="1">
-            <a:off x="6649510" y="114655"/>
-            <a:ext cx="313311" cy="7883310"/>
-          </a:xfrm>
-          <a:prstGeom prst="bentConnector4">
+          <a:xfrm rot="16200000" flipH="1">
+            <a:off x="5723742" y="1607158"/>
+            <a:ext cx="217018" cy="8918200"/>
+          </a:xfrm>
+          <a:prstGeom prst="bentConnector3">
             <a:avLst>
-              <a:gd name="adj1" fmla="val -745610"/>
-              <a:gd name="adj2" fmla="val 71241"/>
+              <a:gd name="adj1" fmla="val 205337"/>
             </a:avLst>
           </a:prstGeom>
           <a:ln w="28575">
@@ -4581,7 +4405,7 @@
             </a:r>
             <a:r>
               <a:rPr lang="en-US" sz="900" dirty="0"/>
-              <a:t> with a new config</a:t>
+              <a:t> for each new config sampled</a:t>
             </a:r>
           </a:p>
         </p:txBody>
@@ -4705,8 +4529,8 @@
         </p:nvSpPr>
         <p:spPr>
           <a:xfrm>
-            <a:off x="2930972" y="6371435"/>
-            <a:ext cx="3115163" cy="369332"/>
+            <a:off x="2930973" y="6414353"/>
+            <a:ext cx="4349393" cy="369332"/>
           </a:xfrm>
           <a:prstGeom prst="rect">
             <a:avLst/>
@@ -4721,15 +4545,15 @@
           <a:p>
             <a:r>
               <a:rPr lang="en-US" sz="900" dirty="0"/>
-              <a:t>Trigger container identifies what is/was the next/past workload and updates the </a:t>
+              <a:t>When SmartTuning finds a config better than the current in production pod, its </a:t>
             </a:r>
             <a:r>
               <a:rPr lang="en-US" sz="900" dirty="0" err="1"/>
-              <a:t>Configmap</a:t>
+              <a:t>configmap</a:t>
             </a:r>
             <a:r>
               <a:rPr lang="en-US" sz="900" dirty="0"/>
-              <a:t> reloading the pod</a:t>
+              <a:t> is updated and it automatically reloads</a:t>
             </a:r>
           </a:p>
         </p:txBody>
@@ -4792,8 +4616,8 @@
         </p:nvSpPr>
         <p:spPr>
           <a:xfrm rot="18671254">
-            <a:off x="1695698" y="4753118"/>
-            <a:ext cx="1568232" cy="646331"/>
+            <a:off x="1695698" y="4822368"/>
+            <a:ext cx="1568232" cy="507831"/>
           </a:xfrm>
           <a:prstGeom prst="rect">
             <a:avLst/>
@@ -4808,16 +4632,13 @@
           <a:p>
             <a:r>
               <a:rPr lang="en-US" sz="900" dirty="0"/>
-              <a:t>Sync syncs the </a:t>
+              <a:t>Reloader simply reloads production pod at every change in the </a:t>
             </a:r>
             <a:r>
               <a:rPr lang="en-US" sz="900" dirty="0" err="1"/>
               <a:t>configmap</a:t>
             </a:r>
-            <a:r>
-              <a:rPr lang="en-US" sz="900" dirty="0"/>
-              <a:t> with  the best  config  kept in the database and reload the pod</a:t>
-            </a:r>
+            <a:endParaRPr lang="en-US" sz="900" dirty="0"/>
           </a:p>
         </p:txBody>
       </p:sp>
@@ -4834,14 +4655,19 @@
           <p:nvPr/>
         </p:nvSpPr>
         <p:spPr>
-          <a:xfrm rot="16200000">
-            <a:off x="8762412" y="3512118"/>
-            <a:ext cx="2760617" cy="369332"/>
+          <a:xfrm>
+            <a:off x="8617855" y="4580397"/>
+            <a:ext cx="2069011" cy="369332"/>
           </a:xfrm>
           <a:prstGeom prst="rect">
             <a:avLst/>
           </a:prstGeom>
           <a:noFill/>
+          <a:ln>
+            <a:solidFill>
+              <a:schemeClr val="accent1"/>
+            </a:solidFill>
+          </a:ln>
         </p:spPr>
         <p:txBody>
           <a:bodyPr wrap="square" rtlCol="0">
@@ -4851,7 +4677,7 @@
           <a:p>
             <a:r>
               <a:rPr lang="en-US" sz="900" dirty="0"/>
-              <a:t>picks a new config and checks app’s perf (throughput) after T time-units</a:t>
+              <a:t>samples a new config and checks app’s perf (throughput) after T time-units</a:t>
             </a:r>
           </a:p>
         </p:txBody>
@@ -4869,9 +4695,9 @@
           <p:nvPr/>
         </p:nvSpPr>
         <p:spPr>
-          <a:xfrm rot="5400000">
-            <a:off x="10578851" y="2764220"/>
-            <a:ext cx="1198080" cy="230832"/>
+          <a:xfrm rot="4588890">
+            <a:off x="10246853" y="3291851"/>
+            <a:ext cx="1198080" cy="369332"/>
           </a:xfrm>
           <a:prstGeom prst="rect">
             <a:avLst/>
@@ -4886,7 +4712,7 @@
           <a:p>
             <a:r>
               <a:rPr lang="en-US" sz="900" dirty="0"/>
-              <a:t>Classifies workloads</a:t>
+              <a:t>sample workloads and classify them</a:t>
             </a:r>
           </a:p>
         </p:txBody>
@@ -4905,7 +4731,7 @@
         </p:nvSpPr>
         <p:spPr>
           <a:xfrm>
-            <a:off x="8734698" y="6327782"/>
+            <a:off x="8752754" y="6473384"/>
             <a:ext cx="2358740" cy="369332"/>
           </a:xfrm>
           <a:prstGeom prst="rect">
@@ -5081,66 +4907,30 @@
           </a:p>
         </p:txBody>
       </p:sp>
-      <p:sp>
-        <p:nvSpPr>
-          <p:cNvPr id="160" name="TextBox 159">
+      <p:cxnSp>
+        <p:nvCxnSpPr>
+          <p:cNvPr id="20" name="Straight Connector 19">
             <a:extLst>
               <a:ext uri="{FF2B5EF4-FFF2-40B4-BE49-F238E27FC236}">
-                <a16:creationId xmlns:a16="http://schemas.microsoft.com/office/drawing/2014/main" id="{BD538E90-3CAD-864D-B0D3-965F7DDE7AB2}"/>
-              </a:ext>
-            </a:extLst>
-          </p:cNvPr>
-          <p:cNvSpPr txBox="1"/>
-          <p:nvPr/>
-        </p:nvSpPr>
-        <p:spPr>
-          <a:xfrm>
-            <a:off x="3193098" y="4650738"/>
-            <a:ext cx="895325" cy="230832"/>
-          </a:xfrm>
-          <a:prstGeom prst="rect">
-            <a:avLst/>
-          </a:prstGeom>
-          <a:noFill/>
-        </p:spPr>
-        <p:txBody>
-          <a:bodyPr wrap="square" rtlCol="0">
-            <a:spAutoFit/>
-          </a:bodyPr>
-          <a:lstStyle/>
-          <a:p>
-            <a:r>
-              <a:rPr lang="en-US" sz="900" dirty="0"/>
-              <a:t>Reloader + API</a:t>
-            </a:r>
-          </a:p>
-        </p:txBody>
-      </p:sp>
-      <p:cxnSp>
-        <p:nvCxnSpPr>
-          <p:cNvPr id="83" name="Straight Connector 82">
-            <a:extLst>
-              <a:ext uri="{FF2B5EF4-FFF2-40B4-BE49-F238E27FC236}">
-                <a16:creationId xmlns:a16="http://schemas.microsoft.com/office/drawing/2014/main" id="{7C4B5AAE-99C3-D246-A65F-8B76252CC4E7}"/>
+                <a16:creationId xmlns:a16="http://schemas.microsoft.com/office/drawing/2014/main" id="{0D3137ED-4144-A844-9EF5-293F51C9642F}"/>
               </a:ext>
             </a:extLst>
           </p:cNvPr>
           <p:cNvCxnSpPr>
-            <a:cxnSpLocks/>
-            <a:stCxn id="84" idx="1"/>
-            <a:endCxn id="160" idx="0"/>
+            <a:stCxn id="144" idx="2"/>
+            <a:endCxn id="16" idx="4"/>
           </p:cNvCxnSpPr>
           <p:nvPr/>
         </p:nvCxnSpPr>
         <p:spPr>
           <a:xfrm>
-            <a:off x="3475488" y="4212965"/>
-            <a:ext cx="165273" cy="437773"/>
+            <a:off x="9652361" y="4949729"/>
+            <a:ext cx="638990" cy="188718"/>
           </a:xfrm>
           <a:prstGeom prst="line">
             <a:avLst/>
           </a:prstGeom>
-          <a:ln w="19050"/>
+          <a:ln w="28575"/>
         </p:spPr>
         <p:style>
           <a:lnRef idx="1">
@@ -5161,154 +4951,6 @@
     <p:extLst>
       <p:ext uri="{BB962C8B-B14F-4D97-AF65-F5344CB8AC3E}">
         <p14:creationId xmlns:p14="http://schemas.microsoft.com/office/powerpoint/2010/main" val="1155911684"/>
-      </p:ext>
-    </p:extLst>
-  </p:cSld>
-  <p:clrMapOvr>
-    <a:masterClrMapping/>
-  </p:clrMapOvr>
-</p:sld>
-</file>
-
-<file path=ppt/slides/slide2.xml><?xml version="1.0" encoding="utf-8"?>
-<p:sld xmlns:a="http://schemas.openxmlformats.org/drawingml/2006/main" xmlns:r="http://schemas.openxmlformats.org/officeDocument/2006/relationships" xmlns:p="http://schemas.openxmlformats.org/presentationml/2006/main">
-  <p:cSld>
-    <p:spTree>
-      <p:nvGrpSpPr>
-        <p:cNvPr id="1" name=""/>
-        <p:cNvGrpSpPr/>
-        <p:nvPr/>
-      </p:nvGrpSpPr>
-      <p:grpSpPr>
-        <a:xfrm>
-          <a:off x="0" y="0"/>
-          <a:ext cx="0" cy="0"/>
-          <a:chOff x="0" y="0"/>
-          <a:chExt cx="0" cy="0"/>
-        </a:xfrm>
-      </p:grpSpPr>
-      <p:sp>
-        <p:nvSpPr>
-          <p:cNvPr id="3" name="Title 2">
-            <a:extLst>
-              <a:ext uri="{FF2B5EF4-FFF2-40B4-BE49-F238E27FC236}">
-                <a16:creationId xmlns:a16="http://schemas.microsoft.com/office/drawing/2014/main" id="{1E12167A-740D-E04A-A127-E663F95C43B9}"/>
-              </a:ext>
-            </a:extLst>
-          </p:cNvPr>
-          <p:cNvSpPr>
-            <a:spLocks noGrp="1"/>
-          </p:cNvSpPr>
-          <p:nvPr>
-            <p:ph type="title"/>
-          </p:nvPr>
-        </p:nvSpPr>
-        <p:spPr/>
-        <p:txBody>
-          <a:bodyPr/>
-          <a:lstStyle/>
-          <a:p>
-            <a:r>
-              <a:rPr lang="en-US" dirty="0"/>
-              <a:t>Current version</a:t>
-            </a:r>
-          </a:p>
-        </p:txBody>
-      </p:sp>
-      <p:sp>
-        <p:nvSpPr>
-          <p:cNvPr id="4" name="Content Placeholder 3">
-            <a:extLst>
-              <a:ext uri="{FF2B5EF4-FFF2-40B4-BE49-F238E27FC236}">
-                <a16:creationId xmlns:a16="http://schemas.microsoft.com/office/drawing/2014/main" id="{C4C994A1-A06E-B14C-A723-4B8E62CAE62A}"/>
-              </a:ext>
-            </a:extLst>
-          </p:cNvPr>
-          <p:cNvSpPr>
-            <a:spLocks noGrp="1"/>
-          </p:cNvSpPr>
-          <p:nvPr>
-            <p:ph idx="1"/>
-          </p:nvPr>
-        </p:nvSpPr>
-        <p:spPr/>
-        <p:txBody>
-          <a:bodyPr>
-            <a:normAutofit lnSpcReduction="10000"/>
-          </a:bodyPr>
-          <a:lstStyle/>
-          <a:p>
-            <a:r>
-              <a:rPr lang="en-US" dirty="0"/>
-              <a:t>Kubernetes coordinates the adaptations instead ad-hoc bash scripts</a:t>
-            </a:r>
-          </a:p>
-          <a:p>
-            <a:r>
-              <a:rPr lang="en-US" dirty="0"/>
-              <a:t>Independent of application: SmartTuning automatically identifies App’s interface and their histograms through proxies</a:t>
-            </a:r>
-          </a:p>
-          <a:p>
-            <a:pPr lvl="1"/>
-            <a:r>
-              <a:rPr lang="en-US" dirty="0"/>
-              <a:t>The application doesn’t need to be instrumented for simple scenarios, e.g., tuning based on throughput</a:t>
-            </a:r>
-          </a:p>
-          <a:p>
-            <a:r>
-              <a:rPr lang="en-US" dirty="0"/>
-              <a:t>Tuning is stateless</a:t>
-            </a:r>
-          </a:p>
-          <a:p>
-            <a:pPr lvl="1"/>
-            <a:r>
-              <a:rPr lang="en-US" dirty="0"/>
-              <a:t>in this current implementation SmartTuning cannot keep tracking the configs for each workload, thus it using only Random Search; Bayesian Optimization in next version</a:t>
-            </a:r>
-          </a:p>
-          <a:p>
-            <a:r>
-              <a:rPr lang="en-US" dirty="0"/>
-              <a:t>Workload handler and Sync are partially implemented</a:t>
-            </a:r>
-          </a:p>
-          <a:p>
-            <a:r>
-              <a:rPr lang="en-US" dirty="0"/>
-              <a:t>Two apps for testing: </a:t>
-            </a:r>
-            <a:r>
-              <a:rPr lang="en-US" dirty="0" err="1"/>
-              <a:t>AcmeAir</a:t>
-            </a:r>
-            <a:r>
-              <a:rPr lang="en-US" dirty="0"/>
-              <a:t> and </a:t>
-            </a:r>
-            <a:r>
-              <a:rPr lang="en-US" dirty="0" err="1"/>
-              <a:t>DayTrader</a:t>
-            </a:r>
-            <a:endParaRPr lang="en-US" dirty="0"/>
-          </a:p>
-          <a:p>
-            <a:pPr marL="0" indent="0">
-              <a:buNone/>
-            </a:pPr>
-            <a:endParaRPr lang="en-US" dirty="0"/>
-          </a:p>
-          <a:p>
-            <a:endParaRPr lang="en-US" dirty="0"/>
-          </a:p>
-        </p:txBody>
-      </p:sp>
-    </p:spTree>
-    <p:extLst>
-      <p:ext uri="{BB962C8B-B14F-4D97-AF65-F5344CB8AC3E}">
-        <p14:creationId xmlns:p14="http://schemas.microsoft.com/office/powerpoint/2010/main" val="2270538774"/>
       </p:ext>
     </p:extLst>
   </p:cSld>

--- a/optimization/k8s-automation/st-architecture.pptx
+++ b/optimization/k8s-automation/st-architecture.pptx
@@ -2,10 +2,11 @@
 <file path=ppt/presentation.xml><?xml version="1.0" encoding="utf-8"?>
 <p:presentation xmlns:a="http://schemas.openxmlformats.org/drawingml/2006/main" xmlns:r="http://schemas.openxmlformats.org/officeDocument/2006/relationships" xmlns:p="http://schemas.openxmlformats.org/presentationml/2006/main" saveSubsetFonts="1" autoCompressPictures="0">
   <p:sldMasterIdLst>
-    <p:sldMasterId id="2147483792" r:id="rId1"/>
+    <p:sldMasterId id="2147483876" r:id="rId1"/>
   </p:sldMasterIdLst>
   <p:sldIdLst>
     <p:sldId id="256" r:id="rId2"/>
+    <p:sldId id="257" r:id="rId3"/>
   </p:sldIdLst>
   <p:sldSz cx="12192000" cy="6858000"/>
   <p:notesSz cx="6858000" cy="9144000"/>
@@ -243,7 +244,7 @@
           <a:p>
             <a:fld id="{B1197E15-315D-6C4E-84BE-9536A06A5A5E}" type="datetimeFigureOut">
               <a:rPr lang="en-US" smtClean="0"/>
-              <a:t>4/27/20</a:t>
+              <a:t>6/2/20</a:t>
             </a:fld>
             <a:endParaRPr lang="en-US"/>
           </a:p>
@@ -294,7 +295,7 @@
     </p:spTree>
     <p:extLst>
       <p:ext uri="{BB962C8B-B14F-4D97-AF65-F5344CB8AC3E}">
-        <p14:creationId xmlns:p14="http://schemas.microsoft.com/office/powerpoint/2010/main" val="2187739325"/>
+        <p14:creationId xmlns:p14="http://schemas.microsoft.com/office/powerpoint/2010/main" val="1915086110"/>
       </p:ext>
     </p:extLst>
   </p:cSld>
@@ -413,7 +414,7 @@
           <a:p>
             <a:fld id="{B1197E15-315D-6C4E-84BE-9536A06A5A5E}" type="datetimeFigureOut">
               <a:rPr lang="en-US" smtClean="0"/>
-              <a:t>4/27/20</a:t>
+              <a:t>6/2/20</a:t>
             </a:fld>
             <a:endParaRPr lang="en-US"/>
           </a:p>
@@ -464,7 +465,7 @@
     </p:spTree>
     <p:extLst>
       <p:ext uri="{BB962C8B-B14F-4D97-AF65-F5344CB8AC3E}">
-        <p14:creationId xmlns:p14="http://schemas.microsoft.com/office/powerpoint/2010/main" val="2330356658"/>
+        <p14:creationId xmlns:p14="http://schemas.microsoft.com/office/powerpoint/2010/main" val="3255779276"/>
       </p:ext>
     </p:extLst>
   </p:cSld>
@@ -593,7 +594,7 @@
           <a:p>
             <a:fld id="{B1197E15-315D-6C4E-84BE-9536A06A5A5E}" type="datetimeFigureOut">
               <a:rPr lang="en-US" smtClean="0"/>
-              <a:t>4/27/20</a:t>
+              <a:t>6/2/20</a:t>
             </a:fld>
             <a:endParaRPr lang="en-US"/>
           </a:p>
@@ -644,7 +645,7 @@
     </p:spTree>
     <p:extLst>
       <p:ext uri="{BB962C8B-B14F-4D97-AF65-F5344CB8AC3E}">
-        <p14:creationId xmlns:p14="http://schemas.microsoft.com/office/powerpoint/2010/main" val="3645851073"/>
+        <p14:creationId xmlns:p14="http://schemas.microsoft.com/office/powerpoint/2010/main" val="3350955943"/>
       </p:ext>
     </p:extLst>
   </p:cSld>
@@ -763,7 +764,7 @@
           <a:p>
             <a:fld id="{B1197E15-315D-6C4E-84BE-9536A06A5A5E}" type="datetimeFigureOut">
               <a:rPr lang="en-US" smtClean="0"/>
-              <a:t>4/27/20</a:t>
+              <a:t>6/2/20</a:t>
             </a:fld>
             <a:endParaRPr lang="en-US"/>
           </a:p>
@@ -814,7 +815,7 @@
     </p:spTree>
     <p:extLst>
       <p:ext uri="{BB962C8B-B14F-4D97-AF65-F5344CB8AC3E}">
-        <p14:creationId xmlns:p14="http://schemas.microsoft.com/office/powerpoint/2010/main" val="2691648137"/>
+        <p14:creationId xmlns:p14="http://schemas.microsoft.com/office/powerpoint/2010/main" val="1827331514"/>
       </p:ext>
     </p:extLst>
   </p:cSld>
@@ -1009,7 +1010,7 @@
           <a:p>
             <a:fld id="{B1197E15-315D-6C4E-84BE-9536A06A5A5E}" type="datetimeFigureOut">
               <a:rPr lang="en-US" smtClean="0"/>
-              <a:t>4/27/20</a:t>
+              <a:t>6/2/20</a:t>
             </a:fld>
             <a:endParaRPr lang="en-US"/>
           </a:p>
@@ -1060,7 +1061,7 @@
     </p:spTree>
     <p:extLst>
       <p:ext uri="{BB962C8B-B14F-4D97-AF65-F5344CB8AC3E}">
-        <p14:creationId xmlns:p14="http://schemas.microsoft.com/office/powerpoint/2010/main" val="1083343419"/>
+        <p14:creationId xmlns:p14="http://schemas.microsoft.com/office/powerpoint/2010/main" val="2071081075"/>
       </p:ext>
     </p:extLst>
   </p:cSld>
@@ -1241,7 +1242,7 @@
           <a:p>
             <a:fld id="{B1197E15-315D-6C4E-84BE-9536A06A5A5E}" type="datetimeFigureOut">
               <a:rPr lang="en-US" smtClean="0"/>
-              <a:t>4/27/20</a:t>
+              <a:t>6/2/20</a:t>
             </a:fld>
             <a:endParaRPr lang="en-US"/>
           </a:p>
@@ -1292,7 +1293,7 @@
     </p:spTree>
     <p:extLst>
       <p:ext uri="{BB962C8B-B14F-4D97-AF65-F5344CB8AC3E}">
-        <p14:creationId xmlns:p14="http://schemas.microsoft.com/office/powerpoint/2010/main" val="459846380"/>
+        <p14:creationId xmlns:p14="http://schemas.microsoft.com/office/powerpoint/2010/main" val="4239215284"/>
       </p:ext>
     </p:extLst>
   </p:cSld>
@@ -1608,7 +1609,7 @@
           <a:p>
             <a:fld id="{B1197E15-315D-6C4E-84BE-9536A06A5A5E}" type="datetimeFigureOut">
               <a:rPr lang="en-US" smtClean="0"/>
-              <a:t>4/27/20</a:t>
+              <a:t>6/2/20</a:t>
             </a:fld>
             <a:endParaRPr lang="en-US"/>
           </a:p>
@@ -1659,7 +1660,7 @@
     </p:spTree>
     <p:extLst>
       <p:ext uri="{BB962C8B-B14F-4D97-AF65-F5344CB8AC3E}">
-        <p14:creationId xmlns:p14="http://schemas.microsoft.com/office/powerpoint/2010/main" val="339361736"/>
+        <p14:creationId xmlns:p14="http://schemas.microsoft.com/office/powerpoint/2010/main" val="172597116"/>
       </p:ext>
     </p:extLst>
   </p:cSld>
@@ -1726,7 +1727,7 @@
           <a:p>
             <a:fld id="{B1197E15-315D-6C4E-84BE-9536A06A5A5E}" type="datetimeFigureOut">
               <a:rPr lang="en-US" smtClean="0"/>
-              <a:t>4/27/20</a:t>
+              <a:t>6/2/20</a:t>
             </a:fld>
             <a:endParaRPr lang="en-US"/>
           </a:p>
@@ -1777,7 +1778,7 @@
     </p:spTree>
     <p:extLst>
       <p:ext uri="{BB962C8B-B14F-4D97-AF65-F5344CB8AC3E}">
-        <p14:creationId xmlns:p14="http://schemas.microsoft.com/office/powerpoint/2010/main" val="4155933881"/>
+        <p14:creationId xmlns:p14="http://schemas.microsoft.com/office/powerpoint/2010/main" val="1651962452"/>
       </p:ext>
     </p:extLst>
   </p:cSld>
@@ -1821,7 +1822,7 @@
           <a:p>
             <a:fld id="{B1197E15-315D-6C4E-84BE-9536A06A5A5E}" type="datetimeFigureOut">
               <a:rPr lang="en-US" smtClean="0"/>
-              <a:t>4/27/20</a:t>
+              <a:t>6/2/20</a:t>
             </a:fld>
             <a:endParaRPr lang="en-US"/>
           </a:p>
@@ -1872,7 +1873,7 @@
     </p:spTree>
     <p:extLst>
       <p:ext uri="{BB962C8B-B14F-4D97-AF65-F5344CB8AC3E}">
-        <p14:creationId xmlns:p14="http://schemas.microsoft.com/office/powerpoint/2010/main" val="435905093"/>
+        <p14:creationId xmlns:p14="http://schemas.microsoft.com/office/powerpoint/2010/main" val="3165493749"/>
       </p:ext>
     </p:extLst>
   </p:cSld>
@@ -2098,7 +2099,7 @@
           <a:p>
             <a:fld id="{B1197E15-315D-6C4E-84BE-9536A06A5A5E}" type="datetimeFigureOut">
               <a:rPr lang="en-US" smtClean="0"/>
-              <a:t>4/27/20</a:t>
+              <a:t>6/2/20</a:t>
             </a:fld>
             <a:endParaRPr lang="en-US"/>
           </a:p>
@@ -2149,7 +2150,7 @@
     </p:spTree>
     <p:extLst>
       <p:ext uri="{BB962C8B-B14F-4D97-AF65-F5344CB8AC3E}">
-        <p14:creationId xmlns:p14="http://schemas.microsoft.com/office/powerpoint/2010/main" val="3892449481"/>
+        <p14:creationId xmlns:p14="http://schemas.microsoft.com/office/powerpoint/2010/main" val="3084367449"/>
       </p:ext>
     </p:extLst>
   </p:cSld>
@@ -2355,7 +2356,7 @@
           <a:p>
             <a:fld id="{B1197E15-315D-6C4E-84BE-9536A06A5A5E}" type="datetimeFigureOut">
               <a:rPr lang="en-US" smtClean="0"/>
-              <a:t>4/27/20</a:t>
+              <a:t>6/2/20</a:t>
             </a:fld>
             <a:endParaRPr lang="en-US"/>
           </a:p>
@@ -2406,7 +2407,7 @@
     </p:spTree>
     <p:extLst>
       <p:ext uri="{BB962C8B-B14F-4D97-AF65-F5344CB8AC3E}">
-        <p14:creationId xmlns:p14="http://schemas.microsoft.com/office/powerpoint/2010/main" val="2103807338"/>
+        <p14:creationId xmlns:p14="http://schemas.microsoft.com/office/powerpoint/2010/main" val="642372889"/>
       </p:ext>
     </p:extLst>
   </p:cSld>
@@ -2568,7 +2569,7 @@
           <a:p>
             <a:fld id="{B1197E15-315D-6C4E-84BE-9536A06A5A5E}" type="datetimeFigureOut">
               <a:rPr lang="en-US" smtClean="0"/>
-              <a:t>4/27/20</a:t>
+              <a:t>6/2/20</a:t>
             </a:fld>
             <a:endParaRPr lang="en-US"/>
           </a:p>
@@ -2655,23 +2656,23 @@
     </p:spTree>
     <p:extLst>
       <p:ext uri="{BB962C8B-B14F-4D97-AF65-F5344CB8AC3E}">
-        <p14:creationId xmlns:p14="http://schemas.microsoft.com/office/powerpoint/2010/main" val="3586022899"/>
+        <p14:creationId xmlns:p14="http://schemas.microsoft.com/office/powerpoint/2010/main" val="1315386553"/>
       </p:ext>
     </p:extLst>
   </p:cSld>
   <p:clrMap bg1="lt1" tx1="dk1" bg2="lt2" tx2="dk2" accent1="accent1" accent2="accent2" accent3="accent3" accent4="accent4" accent5="accent5" accent6="accent6" hlink="hlink" folHlink="folHlink"/>
   <p:sldLayoutIdLst>
-    <p:sldLayoutId id="2147483793" r:id="rId1"/>
-    <p:sldLayoutId id="2147483794" r:id="rId2"/>
-    <p:sldLayoutId id="2147483795" r:id="rId3"/>
-    <p:sldLayoutId id="2147483796" r:id="rId4"/>
-    <p:sldLayoutId id="2147483797" r:id="rId5"/>
-    <p:sldLayoutId id="2147483798" r:id="rId6"/>
-    <p:sldLayoutId id="2147483799" r:id="rId7"/>
-    <p:sldLayoutId id="2147483800" r:id="rId8"/>
-    <p:sldLayoutId id="2147483801" r:id="rId9"/>
-    <p:sldLayoutId id="2147483802" r:id="rId10"/>
-    <p:sldLayoutId id="2147483803" r:id="rId11"/>
+    <p:sldLayoutId id="2147483877" r:id="rId1"/>
+    <p:sldLayoutId id="2147483878" r:id="rId2"/>
+    <p:sldLayoutId id="2147483879" r:id="rId3"/>
+    <p:sldLayoutId id="2147483880" r:id="rId4"/>
+    <p:sldLayoutId id="2147483881" r:id="rId5"/>
+    <p:sldLayoutId id="2147483882" r:id="rId6"/>
+    <p:sldLayoutId id="2147483883" r:id="rId7"/>
+    <p:sldLayoutId id="2147483884" r:id="rId8"/>
+    <p:sldLayoutId id="2147483885" r:id="rId9"/>
+    <p:sldLayoutId id="2147483886" r:id="rId10"/>
+    <p:sldLayoutId id="2147483887" r:id="rId11"/>
   </p:sldLayoutIdLst>
   <p:txStyles>
     <p:titleStyle>
@@ -4960,42 +4961,2812 @@
 </p:sld>
 </file>
 
+<file path=ppt/slides/slide2.xml><?xml version="1.0" encoding="utf-8"?>
+<p:sld xmlns:a="http://schemas.openxmlformats.org/drawingml/2006/main" xmlns:r="http://schemas.openxmlformats.org/officeDocument/2006/relationships" xmlns:p="http://schemas.openxmlformats.org/presentationml/2006/main">
+  <p:cSld>
+    <p:spTree>
+      <p:nvGrpSpPr>
+        <p:cNvPr id="1" name=""/>
+        <p:cNvGrpSpPr/>
+        <p:nvPr/>
+      </p:nvGrpSpPr>
+      <p:grpSpPr>
+        <a:xfrm>
+          <a:off x="0" y="0"/>
+          <a:ext cx="0" cy="0"/>
+          <a:chOff x="0" y="0"/>
+          <a:chExt cx="0" cy="0"/>
+        </a:xfrm>
+      </p:grpSpPr>
+      <p:sp>
+        <p:nvSpPr>
+          <p:cNvPr id="4" name="Rounded Rectangle 3">
+            <a:extLst>
+              <a:ext uri="{FF2B5EF4-FFF2-40B4-BE49-F238E27FC236}">
+                <a16:creationId xmlns:a16="http://schemas.microsoft.com/office/drawing/2014/main" id="{5F97C001-C49E-8840-86A2-D1C7102A1272}"/>
+              </a:ext>
+            </a:extLst>
+          </p:cNvPr>
+          <p:cNvSpPr/>
+          <p:nvPr/>
+        </p:nvSpPr>
+        <p:spPr>
+          <a:xfrm>
+            <a:off x="1703584" y="4003294"/>
+            <a:ext cx="2152097" cy="1901241"/>
+          </a:xfrm>
+          <a:prstGeom prst="roundRect">
+            <a:avLst/>
+          </a:prstGeom>
+        </p:spPr>
+        <p:style>
+          <a:lnRef idx="1">
+            <a:schemeClr val="accent3"/>
+          </a:lnRef>
+          <a:fillRef idx="2">
+            <a:schemeClr val="accent3"/>
+          </a:fillRef>
+          <a:effectRef idx="1">
+            <a:schemeClr val="accent3"/>
+          </a:effectRef>
+          <a:fontRef idx="minor">
+            <a:schemeClr val="dk1"/>
+          </a:fontRef>
+        </p:style>
+        <p:txBody>
+          <a:bodyPr rtlCol="0" anchor="ctr"/>
+          <a:lstStyle/>
+          <a:p>
+            <a:pPr algn="ctr"/>
+            <a:endParaRPr lang="en-US" dirty="0"/>
+          </a:p>
+        </p:txBody>
+      </p:sp>
+      <p:sp>
+        <p:nvSpPr>
+          <p:cNvPr id="6" name="Hexagon 5">
+            <a:extLst>
+              <a:ext uri="{FF2B5EF4-FFF2-40B4-BE49-F238E27FC236}">
+                <a16:creationId xmlns:a16="http://schemas.microsoft.com/office/drawing/2014/main" id="{D880FCDD-6DE3-EB4C-8A97-9D64689AEC50}"/>
+              </a:ext>
+            </a:extLst>
+          </p:cNvPr>
+          <p:cNvSpPr/>
+          <p:nvPr/>
+        </p:nvSpPr>
+        <p:spPr>
+          <a:xfrm>
+            <a:off x="1767167" y="4991870"/>
+            <a:ext cx="966652" cy="793321"/>
+          </a:xfrm>
+          <a:prstGeom prst="hexagon">
+            <a:avLst/>
+          </a:prstGeom>
+        </p:spPr>
+        <p:style>
+          <a:lnRef idx="3">
+            <a:schemeClr val="lt1"/>
+          </a:lnRef>
+          <a:fillRef idx="1">
+            <a:schemeClr val="accent2"/>
+          </a:fillRef>
+          <a:effectRef idx="1">
+            <a:schemeClr val="accent2"/>
+          </a:effectRef>
+          <a:fontRef idx="minor">
+            <a:schemeClr val="lt1"/>
+          </a:fontRef>
+        </p:style>
+        <p:txBody>
+          <a:bodyPr rtlCol="0" anchor="ctr"/>
+          <a:lstStyle/>
+          <a:p>
+            <a:pPr algn="ctr"/>
+            <a:r>
+              <a:rPr lang="en-US" dirty="0"/>
+              <a:t>App</a:t>
+            </a:r>
+          </a:p>
+        </p:txBody>
+      </p:sp>
+      <p:sp>
+        <p:nvSpPr>
+          <p:cNvPr id="7" name="Hexagon 6">
+            <a:extLst>
+              <a:ext uri="{FF2B5EF4-FFF2-40B4-BE49-F238E27FC236}">
+                <a16:creationId xmlns:a16="http://schemas.microsoft.com/office/drawing/2014/main" id="{5F7F396E-DBDC-8F41-8D17-71054492499F}"/>
+              </a:ext>
+            </a:extLst>
+          </p:cNvPr>
+          <p:cNvSpPr/>
+          <p:nvPr/>
+        </p:nvSpPr>
+        <p:spPr>
+          <a:xfrm>
+            <a:off x="2694072" y="4219472"/>
+            <a:ext cx="966652" cy="793321"/>
+          </a:xfrm>
+          <a:prstGeom prst="hexagon">
+            <a:avLst/>
+          </a:prstGeom>
+        </p:spPr>
+        <p:style>
+          <a:lnRef idx="3">
+            <a:schemeClr val="lt1"/>
+          </a:lnRef>
+          <a:fillRef idx="1">
+            <a:schemeClr val="accent2"/>
+          </a:fillRef>
+          <a:effectRef idx="1">
+            <a:schemeClr val="accent2"/>
+          </a:effectRef>
+          <a:fontRef idx="minor">
+            <a:schemeClr val="lt1"/>
+          </a:fontRef>
+        </p:style>
+        <p:txBody>
+          <a:bodyPr rtlCol="0" anchor="ctr"/>
+          <a:lstStyle/>
+          <a:p>
+            <a:pPr algn="ctr"/>
+            <a:r>
+              <a:rPr lang="en-US" sz="1600" dirty="0"/>
+              <a:t>Proxy</a:t>
+            </a:r>
+          </a:p>
+        </p:txBody>
+      </p:sp>
+      <p:grpSp>
+        <p:nvGrpSpPr>
+          <p:cNvPr id="12" name="Group 11">
+            <a:extLst>
+              <a:ext uri="{FF2B5EF4-FFF2-40B4-BE49-F238E27FC236}">
+                <a16:creationId xmlns:a16="http://schemas.microsoft.com/office/drawing/2014/main" id="{1822E32B-1E00-9E40-80BD-9043EB90F021}"/>
+              </a:ext>
+            </a:extLst>
+          </p:cNvPr>
+          <p:cNvGrpSpPr/>
+          <p:nvPr/>
+        </p:nvGrpSpPr>
+        <p:grpSpPr>
+          <a:xfrm>
+            <a:off x="5588128" y="1934774"/>
+            <a:ext cx="994171" cy="815906"/>
+            <a:chOff x="7451634" y="809897"/>
+            <a:chExt cx="1262743" cy="1036320"/>
+          </a:xfrm>
+        </p:grpSpPr>
+        <p:sp>
+          <p:nvSpPr>
+            <p:cNvPr id="11" name="Hexagon 10">
+              <a:extLst>
+                <a:ext uri="{FF2B5EF4-FFF2-40B4-BE49-F238E27FC236}">
+                  <a16:creationId xmlns:a16="http://schemas.microsoft.com/office/drawing/2014/main" id="{E34A61D6-AB60-8A4C-8E65-64A2ECADE5DC}"/>
+                </a:ext>
+              </a:extLst>
+            </p:cNvPr>
+            <p:cNvSpPr/>
+            <p:nvPr/>
+          </p:nvSpPr>
+          <p:spPr>
+            <a:xfrm>
+              <a:off x="7451634" y="809897"/>
+              <a:ext cx="1262743" cy="1036320"/>
+            </a:xfrm>
+            <a:prstGeom prst="hexagon">
+              <a:avLst/>
+            </a:prstGeom>
+            <a:solidFill>
+              <a:srgbClr val="FFFFFF"/>
+            </a:solidFill>
+            <a:ln>
+              <a:solidFill>
+                <a:schemeClr val="tx1"/>
+              </a:solidFill>
+            </a:ln>
+          </p:spPr>
+          <p:style>
+            <a:lnRef idx="3">
+              <a:schemeClr val="lt1"/>
+            </a:lnRef>
+            <a:fillRef idx="1">
+              <a:schemeClr val="accent1"/>
+            </a:fillRef>
+            <a:effectRef idx="1">
+              <a:schemeClr val="accent1"/>
+            </a:effectRef>
+            <a:fontRef idx="minor">
+              <a:schemeClr val="lt1"/>
+            </a:fontRef>
+          </p:style>
+          <p:txBody>
+            <a:bodyPr rtlCol="0" anchor="ctr"/>
+            <a:lstStyle/>
+            <a:p>
+              <a:pPr algn="ctr"/>
+              <a:endParaRPr lang="en-US" dirty="0"/>
+            </a:p>
+          </p:txBody>
+        </p:sp>
+        <p:pic>
+          <p:nvPicPr>
+            <p:cNvPr id="1026" name="Picture 2" descr="Container monitoring system Prometheus gets a major update ...">
+              <a:extLst>
+                <a:ext uri="{FF2B5EF4-FFF2-40B4-BE49-F238E27FC236}">
+                  <a16:creationId xmlns:a16="http://schemas.microsoft.com/office/drawing/2014/main" id="{73791BC1-3FE9-8944-B9C4-1CD609401BC5}"/>
+                </a:ext>
+              </a:extLst>
+            </p:cNvPr>
+            <p:cNvPicPr>
+              <a:picLocks noChangeAspect="1" noChangeArrowheads="1"/>
+            </p:cNvPicPr>
+            <p:nvPr/>
+          </p:nvPicPr>
+          <p:blipFill>
+            <a:blip r:embed="rId2">
+              <a:extLst>
+                <a:ext uri="{28A0092B-C50C-407E-A947-70E740481C1C}">
+                  <a14:useLocalDpi xmlns:a14="http://schemas.microsoft.com/office/drawing/2010/main" val="0"/>
+                </a:ext>
+              </a:extLst>
+            </a:blip>
+            <a:srcRect/>
+            <a:stretch>
+              <a:fillRect/>
+            </a:stretch>
+          </p:blipFill>
+          <p:spPr bwMode="auto">
+            <a:xfrm>
+              <a:off x="7518399" y="982236"/>
+              <a:ext cx="1129212" cy="691642"/>
+            </a:xfrm>
+            <a:prstGeom prst="rect">
+              <a:avLst/>
+            </a:prstGeom>
+            <a:noFill/>
+            <a:extLst>
+              <a:ext uri="{909E8E84-426E-40DD-AFC4-6F175D3DCCD1}">
+                <a14:hiddenFill xmlns:a14="http://schemas.microsoft.com/office/drawing/2010/main">
+                  <a:solidFill>
+                    <a:srgbClr val="FFFFFF"/>
+                  </a:solidFill>
+                </a14:hiddenFill>
+              </a:ext>
+            </a:extLst>
+          </p:spPr>
+        </p:pic>
+      </p:grpSp>
+      <p:sp>
+        <p:nvSpPr>
+          <p:cNvPr id="16" name="Hexagon 15">
+            <a:extLst>
+              <a:ext uri="{FF2B5EF4-FFF2-40B4-BE49-F238E27FC236}">
+                <a16:creationId xmlns:a16="http://schemas.microsoft.com/office/drawing/2014/main" id="{3B353774-7E67-BF4A-9FE7-F4F4031EDDB1}"/>
+              </a:ext>
+            </a:extLst>
+          </p:cNvPr>
+          <p:cNvSpPr/>
+          <p:nvPr/>
+        </p:nvSpPr>
+        <p:spPr>
+          <a:xfrm>
+            <a:off x="10032271" y="5138447"/>
+            <a:ext cx="1262743" cy="1036320"/>
+          </a:xfrm>
+          <a:prstGeom prst="hexagon">
+            <a:avLst/>
+          </a:prstGeom>
+        </p:spPr>
+        <p:style>
+          <a:lnRef idx="3">
+            <a:schemeClr val="lt1"/>
+          </a:lnRef>
+          <a:fillRef idx="1">
+            <a:schemeClr val="accent2"/>
+          </a:fillRef>
+          <a:effectRef idx="1">
+            <a:schemeClr val="accent2"/>
+          </a:effectRef>
+          <a:fontRef idx="minor">
+            <a:schemeClr val="lt1"/>
+          </a:fontRef>
+        </p:style>
+        <p:txBody>
+          <a:bodyPr rtlCol="0" anchor="ctr"/>
+          <a:lstStyle/>
+          <a:p>
+            <a:pPr algn="ctr"/>
+            <a:r>
+              <a:rPr lang="en-US" dirty="0"/>
+              <a:t>Smart</a:t>
+            </a:r>
+          </a:p>
+          <a:p>
+            <a:pPr algn="ctr"/>
+            <a:r>
+              <a:rPr lang="en-US" dirty="0"/>
+              <a:t>Tuning</a:t>
+            </a:r>
+          </a:p>
+        </p:txBody>
+      </p:sp>
+      <p:sp>
+        <p:nvSpPr>
+          <p:cNvPr id="17" name="Rounded Rectangle 16">
+            <a:extLst>
+              <a:ext uri="{FF2B5EF4-FFF2-40B4-BE49-F238E27FC236}">
+                <a16:creationId xmlns:a16="http://schemas.microsoft.com/office/drawing/2014/main" id="{90F9BEEE-E9E8-7348-B9EB-B877F65E2185}"/>
+              </a:ext>
+            </a:extLst>
+          </p:cNvPr>
+          <p:cNvSpPr/>
+          <p:nvPr/>
+        </p:nvSpPr>
+        <p:spPr>
+          <a:xfrm>
+            <a:off x="1271451" y="765685"/>
+            <a:ext cx="6008915" cy="661851"/>
+          </a:xfrm>
+          <a:prstGeom prst="roundRect">
+            <a:avLst/>
+          </a:prstGeom>
+        </p:spPr>
+        <p:style>
+          <a:lnRef idx="2">
+            <a:schemeClr val="accent1">
+              <a:shade val="50000"/>
+            </a:schemeClr>
+          </a:lnRef>
+          <a:fillRef idx="1">
+            <a:schemeClr val="accent1"/>
+          </a:fillRef>
+          <a:effectRef idx="0">
+            <a:schemeClr val="accent1"/>
+          </a:effectRef>
+          <a:fontRef idx="minor">
+            <a:schemeClr val="lt1"/>
+          </a:fontRef>
+        </p:style>
+        <p:txBody>
+          <a:bodyPr rtlCol="0" anchor="ctr"/>
+          <a:lstStyle/>
+          <a:p>
+            <a:pPr algn="ctr"/>
+            <a:r>
+              <a:rPr lang="en-US" dirty="0"/>
+              <a:t>K8S Service (Load Balancer)</a:t>
+            </a:r>
+          </a:p>
+        </p:txBody>
+      </p:sp>
+      <p:sp>
+        <p:nvSpPr>
+          <p:cNvPr id="30" name="TextBox 29">
+            <a:extLst>
+              <a:ext uri="{FF2B5EF4-FFF2-40B4-BE49-F238E27FC236}">
+                <a16:creationId xmlns:a16="http://schemas.microsoft.com/office/drawing/2014/main" id="{DF46E165-11D0-AA41-8922-BEC738C01FBF}"/>
+              </a:ext>
+            </a:extLst>
+          </p:cNvPr>
+          <p:cNvSpPr txBox="1"/>
+          <p:nvPr/>
+        </p:nvSpPr>
+        <p:spPr>
+          <a:xfrm>
+            <a:off x="605706" y="221756"/>
+            <a:ext cx="1279517" cy="369332"/>
+          </a:xfrm>
+          <a:prstGeom prst="rect">
+            <a:avLst/>
+          </a:prstGeom>
+          <a:noFill/>
+        </p:spPr>
+        <p:txBody>
+          <a:bodyPr wrap="none" rtlCol="0">
+            <a:spAutoFit/>
+          </a:bodyPr>
+          <a:lstStyle/>
+          <a:p>
+            <a:r>
+              <a:rPr lang="en-US" dirty="0"/>
+              <a:t>Namespace</a:t>
+            </a:r>
+          </a:p>
+        </p:txBody>
+      </p:sp>
+      <p:sp>
+        <p:nvSpPr>
+          <p:cNvPr id="32" name="Folded Corner 31">
+            <a:extLst>
+              <a:ext uri="{FF2B5EF4-FFF2-40B4-BE49-F238E27FC236}">
+                <a16:creationId xmlns:a16="http://schemas.microsoft.com/office/drawing/2014/main" id="{EE0636EE-2B15-3D4F-80A6-FECBF47AC641}"/>
+              </a:ext>
+            </a:extLst>
+          </p:cNvPr>
+          <p:cNvSpPr/>
+          <p:nvPr/>
+        </p:nvSpPr>
+        <p:spPr>
+          <a:xfrm>
+            <a:off x="4258951" y="5137596"/>
+            <a:ext cx="673715" cy="812506"/>
+          </a:xfrm>
+          <a:prstGeom prst="foldedCorner">
+            <a:avLst/>
+          </a:prstGeom>
+        </p:spPr>
+        <p:style>
+          <a:lnRef idx="2">
+            <a:schemeClr val="accent1">
+              <a:shade val="50000"/>
+            </a:schemeClr>
+          </a:lnRef>
+          <a:fillRef idx="1">
+            <a:schemeClr val="accent1"/>
+          </a:fillRef>
+          <a:effectRef idx="0">
+            <a:schemeClr val="accent1"/>
+          </a:effectRef>
+          <a:fontRef idx="minor">
+            <a:schemeClr val="lt1"/>
+          </a:fontRef>
+        </p:style>
+        <p:txBody>
+          <a:bodyPr rtlCol="0" anchor="ctr"/>
+          <a:lstStyle/>
+          <a:p>
+            <a:pPr algn="ctr"/>
+            <a:r>
+              <a:rPr lang="en-US" sz="1200" dirty="0"/>
+              <a:t>Config</a:t>
+            </a:r>
+          </a:p>
+          <a:p>
+            <a:pPr algn="ctr"/>
+            <a:r>
+              <a:rPr lang="en-US" sz="1200" dirty="0"/>
+              <a:t>map</a:t>
+            </a:r>
+          </a:p>
+        </p:txBody>
+      </p:sp>
+      <p:cxnSp>
+        <p:nvCxnSpPr>
+          <p:cNvPr id="46" name="Straight Connector 45">
+            <a:extLst>
+              <a:ext uri="{FF2B5EF4-FFF2-40B4-BE49-F238E27FC236}">
+                <a16:creationId xmlns:a16="http://schemas.microsoft.com/office/drawing/2014/main" id="{3CA6108F-88FF-B340-A4BD-97F12B77ED8B}"/>
+              </a:ext>
+            </a:extLst>
+          </p:cNvPr>
+          <p:cNvCxnSpPr>
+            <a:cxnSpLocks/>
+            <a:endCxn id="32" idx="1"/>
+          </p:cNvCxnSpPr>
+          <p:nvPr/>
+        </p:nvCxnSpPr>
+        <p:spPr>
+          <a:xfrm flipV="1">
+            <a:off x="3855681" y="5543849"/>
+            <a:ext cx="403270" cy="1"/>
+          </a:xfrm>
+          <a:prstGeom prst="line">
+            <a:avLst/>
+          </a:prstGeom>
+          <a:ln w="28575">
+            <a:solidFill>
+              <a:srgbClr val="FF0000"/>
+            </a:solidFill>
+          </a:ln>
+        </p:spPr>
+        <p:style>
+          <a:lnRef idx="1">
+            <a:schemeClr val="accent1"/>
+          </a:lnRef>
+          <a:fillRef idx="0">
+            <a:schemeClr val="accent1"/>
+          </a:fillRef>
+          <a:effectRef idx="0">
+            <a:schemeClr val="accent1"/>
+          </a:effectRef>
+          <a:fontRef idx="minor">
+            <a:schemeClr val="tx1"/>
+          </a:fontRef>
+        </p:style>
+      </p:cxnSp>
+      <p:sp>
+        <p:nvSpPr>
+          <p:cNvPr id="1024" name="Can 1023">
+            <a:extLst>
+              <a:ext uri="{FF2B5EF4-FFF2-40B4-BE49-F238E27FC236}">
+                <a16:creationId xmlns:a16="http://schemas.microsoft.com/office/drawing/2014/main" id="{88E99B06-448C-CF4B-AE1F-21F2D7C30A63}"/>
+              </a:ext>
+            </a:extLst>
+          </p:cNvPr>
+          <p:cNvSpPr/>
+          <p:nvPr/>
+        </p:nvSpPr>
+        <p:spPr>
+          <a:xfrm>
+            <a:off x="11450832" y="5887222"/>
+            <a:ext cx="631373" cy="809892"/>
+          </a:xfrm>
+          <a:prstGeom prst="can">
+            <a:avLst/>
+          </a:prstGeom>
+        </p:spPr>
+        <p:style>
+          <a:lnRef idx="2">
+            <a:schemeClr val="accent1">
+              <a:shade val="50000"/>
+            </a:schemeClr>
+          </a:lnRef>
+          <a:fillRef idx="1">
+            <a:schemeClr val="accent1"/>
+          </a:fillRef>
+          <a:effectRef idx="0">
+            <a:schemeClr val="accent1"/>
+          </a:effectRef>
+          <a:fontRef idx="minor">
+            <a:schemeClr val="lt1"/>
+          </a:fontRef>
+        </p:style>
+        <p:txBody>
+          <a:bodyPr rtlCol="0" anchor="ctr"/>
+          <a:lstStyle/>
+          <a:p>
+            <a:pPr algn="ctr"/>
+            <a:endParaRPr lang="en-US"/>
+          </a:p>
+        </p:txBody>
+      </p:sp>
+      <p:cxnSp>
+        <p:nvCxnSpPr>
+          <p:cNvPr id="66" name="Straight Connector 65">
+            <a:extLst>
+              <a:ext uri="{FF2B5EF4-FFF2-40B4-BE49-F238E27FC236}">
+                <a16:creationId xmlns:a16="http://schemas.microsoft.com/office/drawing/2014/main" id="{38BC6752-6815-3744-AFF8-990E531F7FA3}"/>
+              </a:ext>
+            </a:extLst>
+          </p:cNvPr>
+          <p:cNvCxnSpPr>
+            <a:cxnSpLocks/>
+            <a:stCxn id="1024" idx="1"/>
+            <a:endCxn id="16" idx="0"/>
+          </p:cNvCxnSpPr>
+          <p:nvPr/>
+        </p:nvCxnSpPr>
+        <p:spPr>
+          <a:xfrm flipH="1" flipV="1">
+            <a:off x="11295014" y="5656607"/>
+            <a:ext cx="471505" cy="230615"/>
+          </a:xfrm>
+          <a:prstGeom prst="line">
+            <a:avLst/>
+          </a:prstGeom>
+          <a:ln w="28575"/>
+        </p:spPr>
+        <p:style>
+          <a:lnRef idx="1">
+            <a:schemeClr val="accent1"/>
+          </a:lnRef>
+          <a:fillRef idx="0">
+            <a:schemeClr val="accent1"/>
+          </a:fillRef>
+          <a:effectRef idx="0">
+            <a:schemeClr val="accent1"/>
+          </a:effectRef>
+          <a:fontRef idx="minor">
+            <a:schemeClr val="tx1"/>
+          </a:fontRef>
+        </p:style>
+      </p:cxnSp>
+      <p:cxnSp>
+        <p:nvCxnSpPr>
+          <p:cNvPr id="1051" name="Elbow Connector 1050">
+            <a:extLst>
+              <a:ext uri="{FF2B5EF4-FFF2-40B4-BE49-F238E27FC236}">
+                <a16:creationId xmlns:a16="http://schemas.microsoft.com/office/drawing/2014/main" id="{47FDEBCF-85C8-AE4E-BB6E-536427534EFD}"/>
+              </a:ext>
+            </a:extLst>
+          </p:cNvPr>
+          <p:cNvCxnSpPr>
+            <a:cxnSpLocks/>
+            <a:endCxn id="16" idx="2"/>
+          </p:cNvCxnSpPr>
+          <p:nvPr/>
+        </p:nvCxnSpPr>
+        <p:spPr>
+          <a:xfrm rot="16200000" flipH="1">
+            <a:off x="5723742" y="1607158"/>
+            <a:ext cx="217018" cy="8918200"/>
+          </a:xfrm>
+          <a:prstGeom prst="bentConnector3">
+            <a:avLst>
+              <a:gd name="adj1" fmla="val 205337"/>
+            </a:avLst>
+          </a:prstGeom>
+          <a:ln w="28575">
+            <a:solidFill>
+              <a:srgbClr val="00B050"/>
+            </a:solidFill>
+          </a:ln>
+        </p:spPr>
+        <p:style>
+          <a:lnRef idx="1">
+            <a:schemeClr val="accent1"/>
+          </a:lnRef>
+          <a:fillRef idx="0">
+            <a:schemeClr val="accent1"/>
+          </a:fillRef>
+          <a:effectRef idx="0">
+            <a:schemeClr val="accent1"/>
+          </a:effectRef>
+          <a:fontRef idx="minor">
+            <a:schemeClr val="tx1"/>
+          </a:fontRef>
+        </p:style>
+      </p:cxnSp>
+      <p:sp>
+        <p:nvSpPr>
+          <p:cNvPr id="1056" name="TextBox 1055">
+            <a:extLst>
+              <a:ext uri="{FF2B5EF4-FFF2-40B4-BE49-F238E27FC236}">
+                <a16:creationId xmlns:a16="http://schemas.microsoft.com/office/drawing/2014/main" id="{E45D379B-87A2-EB4D-9551-ECB0DFD5E09D}"/>
+              </a:ext>
+            </a:extLst>
+          </p:cNvPr>
+          <p:cNvSpPr txBox="1"/>
+          <p:nvPr/>
+        </p:nvSpPr>
+        <p:spPr>
+          <a:xfrm>
+            <a:off x="1848327" y="4286051"/>
+            <a:ext cx="764568" cy="523220"/>
+          </a:xfrm>
+          <a:prstGeom prst="rect">
+            <a:avLst/>
+          </a:prstGeom>
+          <a:noFill/>
+        </p:spPr>
+        <p:txBody>
+          <a:bodyPr wrap="none" rtlCol="0">
+            <a:spAutoFit/>
+          </a:bodyPr>
+          <a:lstStyle/>
+          <a:p>
+            <a:pPr algn="ctr"/>
+            <a:r>
+              <a:rPr lang="en-US" sz="1400" dirty="0"/>
+              <a:t>Training</a:t>
+            </a:r>
+          </a:p>
+          <a:p>
+            <a:pPr algn="ctr"/>
+            <a:r>
+              <a:rPr lang="en-US" sz="1400" dirty="0"/>
+              <a:t>Pod</a:t>
+            </a:r>
+          </a:p>
+        </p:txBody>
+      </p:sp>
+      <p:sp>
+        <p:nvSpPr>
+          <p:cNvPr id="120" name="TextBox 119">
+            <a:extLst>
+              <a:ext uri="{FF2B5EF4-FFF2-40B4-BE49-F238E27FC236}">
+                <a16:creationId xmlns:a16="http://schemas.microsoft.com/office/drawing/2014/main" id="{1CDA0234-E2F1-1A40-AF28-7C4B1F334C9F}"/>
+              </a:ext>
+            </a:extLst>
+          </p:cNvPr>
+          <p:cNvSpPr txBox="1"/>
+          <p:nvPr/>
+        </p:nvSpPr>
+        <p:spPr>
+          <a:xfrm>
+            <a:off x="8516879" y="5789590"/>
+            <a:ext cx="1528680" cy="369332"/>
+          </a:xfrm>
+          <a:prstGeom prst="rect">
+            <a:avLst/>
+          </a:prstGeom>
+          <a:noFill/>
+        </p:spPr>
+        <p:txBody>
+          <a:bodyPr wrap="square" rtlCol="0">
+            <a:spAutoFit/>
+          </a:bodyPr>
+          <a:lstStyle/>
+          <a:p>
+            <a:r>
+              <a:rPr lang="en-US" sz="900" dirty="0"/>
+              <a:t>updates the </a:t>
+            </a:r>
+            <a:r>
+              <a:rPr lang="en-US" sz="900" dirty="0" err="1"/>
+              <a:t>configmap</a:t>
+            </a:r>
+            <a:r>
+              <a:rPr lang="en-US" sz="900" dirty="0"/>
+              <a:t> for each new config sampled</a:t>
+            </a:r>
+          </a:p>
+        </p:txBody>
+      </p:sp>
+      <p:sp>
+        <p:nvSpPr>
+          <p:cNvPr id="121" name="TextBox 120">
+            <a:extLst>
+              <a:ext uri="{FF2B5EF4-FFF2-40B4-BE49-F238E27FC236}">
+                <a16:creationId xmlns:a16="http://schemas.microsoft.com/office/drawing/2014/main" id="{35632433-02A9-7B41-A00A-4F56C1362954}"/>
+              </a:ext>
+            </a:extLst>
+          </p:cNvPr>
+          <p:cNvSpPr txBox="1"/>
+          <p:nvPr/>
+        </p:nvSpPr>
+        <p:spPr>
+          <a:xfrm rot="1476774">
+            <a:off x="8152029" y="5038309"/>
+            <a:ext cx="1664212" cy="369332"/>
+          </a:xfrm>
+          <a:prstGeom prst="rect">
+            <a:avLst/>
+          </a:prstGeom>
+          <a:noFill/>
+        </p:spPr>
+        <p:txBody>
+          <a:bodyPr wrap="square" rtlCol="0">
+            <a:spAutoFit/>
+          </a:bodyPr>
+          <a:lstStyle/>
+          <a:p>
+            <a:r>
+              <a:rPr lang="en-US" sz="900" dirty="0"/>
+              <a:t>Pod updates its config when reloading</a:t>
+            </a:r>
+          </a:p>
+        </p:txBody>
+      </p:sp>
+      <p:sp>
+        <p:nvSpPr>
+          <p:cNvPr id="124" name="TextBox 123">
+            <a:extLst>
+              <a:ext uri="{FF2B5EF4-FFF2-40B4-BE49-F238E27FC236}">
+                <a16:creationId xmlns:a16="http://schemas.microsoft.com/office/drawing/2014/main" id="{E518F46C-95CB-7F4C-9FB2-E277CB446641}"/>
+              </a:ext>
+            </a:extLst>
+          </p:cNvPr>
+          <p:cNvSpPr txBox="1"/>
+          <p:nvPr/>
+        </p:nvSpPr>
+        <p:spPr>
+          <a:xfrm>
+            <a:off x="7893475" y="1358445"/>
+            <a:ext cx="2038649" cy="507831"/>
+          </a:xfrm>
+          <a:prstGeom prst="rect">
+            <a:avLst/>
+          </a:prstGeom>
+          <a:noFill/>
+        </p:spPr>
+        <p:txBody>
+          <a:bodyPr wrap="square" rtlCol="0">
+            <a:spAutoFit/>
+          </a:bodyPr>
+          <a:lstStyle/>
+          <a:p>
+            <a:r>
+              <a:rPr lang="en-US" sz="900" dirty="0"/>
+              <a:t>Prometheus monitors URL counters – provides app histogram and throughput; auto-discovery new pods</a:t>
+            </a:r>
+          </a:p>
+        </p:txBody>
+      </p:sp>
+      <p:sp>
+        <p:nvSpPr>
+          <p:cNvPr id="127" name="TextBox 126">
+            <a:extLst>
+              <a:ext uri="{FF2B5EF4-FFF2-40B4-BE49-F238E27FC236}">
+                <a16:creationId xmlns:a16="http://schemas.microsoft.com/office/drawing/2014/main" id="{E7757629-5557-B346-87B5-FCE844306E75}"/>
+              </a:ext>
+            </a:extLst>
+          </p:cNvPr>
+          <p:cNvSpPr txBox="1"/>
+          <p:nvPr/>
+        </p:nvSpPr>
+        <p:spPr>
+          <a:xfrm rot="2572650">
+            <a:off x="7161565" y="803854"/>
+            <a:ext cx="2182527" cy="507831"/>
+          </a:xfrm>
+          <a:prstGeom prst="rect">
+            <a:avLst/>
+          </a:prstGeom>
+          <a:noFill/>
+        </p:spPr>
+        <p:txBody>
+          <a:bodyPr wrap="square" rtlCol="0">
+            <a:spAutoFit/>
+          </a:bodyPr>
+          <a:lstStyle/>
+          <a:p>
+            <a:r>
+              <a:rPr lang="en-US" sz="900" dirty="0"/>
+              <a:t>Proxy intercepts and forwards all http requests to the app, counting how many times they occur</a:t>
+            </a:r>
+          </a:p>
+        </p:txBody>
+      </p:sp>
+      <p:sp>
+        <p:nvSpPr>
+          <p:cNvPr id="139" name="TextBox 138">
+            <a:extLst>
+              <a:ext uri="{FF2B5EF4-FFF2-40B4-BE49-F238E27FC236}">
+                <a16:creationId xmlns:a16="http://schemas.microsoft.com/office/drawing/2014/main" id="{3776E782-FB47-9940-B7FF-8FFFEAB67BB3}"/>
+              </a:ext>
+            </a:extLst>
+          </p:cNvPr>
+          <p:cNvSpPr txBox="1"/>
+          <p:nvPr/>
+        </p:nvSpPr>
+        <p:spPr>
+          <a:xfrm>
+            <a:off x="2930973" y="6414353"/>
+            <a:ext cx="4349393" cy="369332"/>
+          </a:xfrm>
+          <a:prstGeom prst="rect">
+            <a:avLst/>
+          </a:prstGeom>
+          <a:noFill/>
+        </p:spPr>
+        <p:txBody>
+          <a:bodyPr wrap="square" rtlCol="0">
+            <a:spAutoFit/>
+          </a:bodyPr>
+          <a:lstStyle/>
+          <a:p>
+            <a:r>
+              <a:rPr lang="en-US" sz="900" dirty="0"/>
+              <a:t>When SmartTuning finds a config better than the current in production pod, its </a:t>
+            </a:r>
+            <a:r>
+              <a:rPr lang="en-US" sz="900" dirty="0" err="1"/>
+              <a:t>configmap</a:t>
+            </a:r>
+            <a:r>
+              <a:rPr lang="en-US" sz="900" dirty="0"/>
+              <a:t> is updated and it automatically reloads</a:t>
+            </a:r>
+          </a:p>
+        </p:txBody>
+      </p:sp>
+      <p:sp>
+        <p:nvSpPr>
+          <p:cNvPr id="144" name="TextBox 143">
+            <a:extLst>
+              <a:ext uri="{FF2B5EF4-FFF2-40B4-BE49-F238E27FC236}">
+                <a16:creationId xmlns:a16="http://schemas.microsoft.com/office/drawing/2014/main" id="{EA02A99B-1EDE-C44E-ADDB-540B8BC24ED2}"/>
+              </a:ext>
+            </a:extLst>
+          </p:cNvPr>
+          <p:cNvSpPr txBox="1"/>
+          <p:nvPr/>
+        </p:nvSpPr>
+        <p:spPr>
+          <a:xfrm>
+            <a:off x="9697507" y="4472494"/>
+            <a:ext cx="2069011" cy="369332"/>
+          </a:xfrm>
+          <a:prstGeom prst="rect">
+            <a:avLst/>
+          </a:prstGeom>
+          <a:noFill/>
+          <a:ln>
+            <a:solidFill>
+              <a:schemeClr val="accent1"/>
+            </a:solidFill>
+          </a:ln>
+        </p:spPr>
+        <p:txBody>
+          <a:bodyPr wrap="square" rtlCol="0">
+            <a:spAutoFit/>
+          </a:bodyPr>
+          <a:lstStyle/>
+          <a:p>
+            <a:r>
+              <a:rPr lang="en-US" sz="900" dirty="0"/>
+              <a:t>samples a new config and checks app’s perf (throughput) after T time-units</a:t>
+            </a:r>
+          </a:p>
+        </p:txBody>
+      </p:sp>
+      <p:sp>
+        <p:nvSpPr>
+          <p:cNvPr id="145" name="TextBox 144">
+            <a:extLst>
+              <a:ext uri="{FF2B5EF4-FFF2-40B4-BE49-F238E27FC236}">
+                <a16:creationId xmlns:a16="http://schemas.microsoft.com/office/drawing/2014/main" id="{18EAD982-1C74-C441-875B-5F84766D730A}"/>
+              </a:ext>
+            </a:extLst>
+          </p:cNvPr>
+          <p:cNvSpPr txBox="1"/>
+          <p:nvPr/>
+        </p:nvSpPr>
+        <p:spPr>
+          <a:xfrm rot="4588890">
+            <a:off x="10246853" y="3291851"/>
+            <a:ext cx="1198080" cy="369332"/>
+          </a:xfrm>
+          <a:prstGeom prst="rect">
+            <a:avLst/>
+          </a:prstGeom>
+          <a:noFill/>
+        </p:spPr>
+        <p:txBody>
+          <a:bodyPr wrap="square" rtlCol="0">
+            <a:spAutoFit/>
+          </a:bodyPr>
+          <a:lstStyle/>
+          <a:p>
+            <a:r>
+              <a:rPr lang="en-US" sz="900" dirty="0"/>
+              <a:t>sample workloads and classify them</a:t>
+            </a:r>
+          </a:p>
+        </p:txBody>
+      </p:sp>
+      <p:sp>
+        <p:nvSpPr>
+          <p:cNvPr id="155" name="TextBox 154">
+            <a:extLst>
+              <a:ext uri="{FF2B5EF4-FFF2-40B4-BE49-F238E27FC236}">
+                <a16:creationId xmlns:a16="http://schemas.microsoft.com/office/drawing/2014/main" id="{32CF4AF2-7AE2-2245-9295-0AED9FDE1A19}"/>
+              </a:ext>
+            </a:extLst>
+          </p:cNvPr>
+          <p:cNvSpPr txBox="1"/>
+          <p:nvPr/>
+        </p:nvSpPr>
+        <p:spPr>
+          <a:xfrm>
+            <a:off x="8752754" y="6473384"/>
+            <a:ext cx="2358740" cy="369332"/>
+          </a:xfrm>
+          <a:prstGeom prst="rect">
+            <a:avLst/>
+          </a:prstGeom>
+          <a:noFill/>
+          <a:ln>
+            <a:solidFill>
+              <a:schemeClr val="tx1"/>
+            </a:solidFill>
+          </a:ln>
+        </p:spPr>
+        <p:txBody>
+          <a:bodyPr wrap="square" rtlCol="0">
+            <a:spAutoFit/>
+          </a:bodyPr>
+          <a:lstStyle/>
+          <a:p>
+            <a:r>
+              <a:rPr lang="en-US" sz="900" dirty="0"/>
+              <a:t>Tuning matches the current configuration with its respective workload and performance</a:t>
+            </a:r>
+          </a:p>
+        </p:txBody>
+      </p:sp>
+      <p:sp>
+        <p:nvSpPr>
+          <p:cNvPr id="79" name="Freeform 78">
+            <a:extLst>
+              <a:ext uri="{FF2B5EF4-FFF2-40B4-BE49-F238E27FC236}">
+                <a16:creationId xmlns:a16="http://schemas.microsoft.com/office/drawing/2014/main" id="{105BEE1A-ECF8-694F-B6E0-604122656C5A}"/>
+              </a:ext>
+            </a:extLst>
+          </p:cNvPr>
+          <p:cNvSpPr/>
+          <p:nvPr/>
+        </p:nvSpPr>
+        <p:spPr>
+          <a:xfrm>
+            <a:off x="11026120" y="4676502"/>
+            <a:ext cx="401145" cy="1835907"/>
+          </a:xfrm>
+          <a:custGeom>
+            <a:avLst/>
+            <a:gdLst>
+              <a:gd name="connsiteX0" fmla="*/ 0 w 406020"/>
+              <a:gd name="connsiteY0" fmla="*/ 0 h 1663337"/>
+              <a:gd name="connsiteX1" fmla="*/ 391886 w 406020"/>
+              <a:gd name="connsiteY1" fmla="*/ 269965 h 1663337"/>
+              <a:gd name="connsiteX2" fmla="*/ 322217 w 406020"/>
+              <a:gd name="connsiteY2" fmla="*/ 740228 h 1663337"/>
+              <a:gd name="connsiteX3" fmla="*/ 348343 w 406020"/>
+              <a:gd name="connsiteY3" fmla="*/ 1349828 h 1663337"/>
+              <a:gd name="connsiteX4" fmla="*/ 191589 w 406020"/>
+              <a:gd name="connsiteY4" fmla="*/ 1663337 h 1663337"/>
+              <a:gd name="connsiteX0" fmla="*/ 0 w 257966"/>
+              <a:gd name="connsiteY0" fmla="*/ 0 h 1763732"/>
+              <a:gd name="connsiteX1" fmla="*/ 251880 w 257966"/>
+              <a:gd name="connsiteY1" fmla="*/ 370360 h 1763732"/>
+              <a:gd name="connsiteX2" fmla="*/ 182211 w 257966"/>
+              <a:gd name="connsiteY2" fmla="*/ 840623 h 1763732"/>
+              <a:gd name="connsiteX3" fmla="*/ 208337 w 257966"/>
+              <a:gd name="connsiteY3" fmla="*/ 1450223 h 1763732"/>
+              <a:gd name="connsiteX4" fmla="*/ 51583 w 257966"/>
+              <a:gd name="connsiteY4" fmla="*/ 1763732 h 1763732"/>
+            </a:gdLst>
+            <a:ahLst/>
+            <a:cxnLst>
+              <a:cxn ang="0">
+                <a:pos x="connsiteX0" y="connsiteY0"/>
+              </a:cxn>
+              <a:cxn ang="0">
+                <a:pos x="connsiteX1" y="connsiteY1"/>
+              </a:cxn>
+              <a:cxn ang="0">
+                <a:pos x="connsiteX2" y="connsiteY2"/>
+              </a:cxn>
+              <a:cxn ang="0">
+                <a:pos x="connsiteX3" y="connsiteY3"/>
+              </a:cxn>
+              <a:cxn ang="0">
+                <a:pos x="connsiteX4" y="connsiteY4"/>
+              </a:cxn>
+            </a:cxnLst>
+            <a:rect l="l" t="t" r="r" b="b"/>
+            <a:pathLst>
+              <a:path w="257966" h="1763732">
+                <a:moveTo>
+                  <a:pt x="0" y="0"/>
+                </a:moveTo>
+                <a:cubicBezTo>
+                  <a:pt x="169091" y="73297"/>
+                  <a:pt x="221512" y="230256"/>
+                  <a:pt x="251880" y="370360"/>
+                </a:cubicBezTo>
+                <a:cubicBezTo>
+                  <a:pt x="282248" y="510464"/>
+                  <a:pt x="189468" y="660646"/>
+                  <a:pt x="182211" y="840623"/>
+                </a:cubicBezTo>
+                <a:cubicBezTo>
+                  <a:pt x="174954" y="1020600"/>
+                  <a:pt x="230108" y="1296371"/>
+                  <a:pt x="208337" y="1450223"/>
+                </a:cubicBezTo>
+                <a:cubicBezTo>
+                  <a:pt x="186566" y="1604075"/>
+                  <a:pt x="119074" y="1683903"/>
+                  <a:pt x="51583" y="1763732"/>
+                </a:cubicBezTo>
+              </a:path>
+            </a:pathLst>
+          </a:custGeom>
+          <a:noFill/>
+        </p:spPr>
+        <p:style>
+          <a:lnRef idx="2">
+            <a:schemeClr val="accent1">
+              <a:shade val="50000"/>
+            </a:schemeClr>
+          </a:lnRef>
+          <a:fillRef idx="1">
+            <a:schemeClr val="accent1"/>
+          </a:fillRef>
+          <a:effectRef idx="0">
+            <a:schemeClr val="accent1"/>
+          </a:effectRef>
+          <a:fontRef idx="minor">
+            <a:schemeClr val="lt1"/>
+          </a:fontRef>
+        </p:style>
+        <p:txBody>
+          <a:bodyPr rtlCol="0" anchor="ctr"/>
+          <a:lstStyle/>
+          <a:p>
+            <a:pPr algn="ctr"/>
+            <a:endParaRPr lang="en-US" dirty="0"/>
+          </a:p>
+        </p:txBody>
+      </p:sp>
+      <p:sp>
+        <p:nvSpPr>
+          <p:cNvPr id="159" name="TextBox 158">
+            <a:extLst>
+              <a:ext uri="{FF2B5EF4-FFF2-40B4-BE49-F238E27FC236}">
+                <a16:creationId xmlns:a16="http://schemas.microsoft.com/office/drawing/2014/main" id="{68B6DFDC-F239-E34C-8ECE-C4C079F10B16}"/>
+              </a:ext>
+            </a:extLst>
+          </p:cNvPr>
+          <p:cNvSpPr txBox="1"/>
+          <p:nvPr/>
+        </p:nvSpPr>
+        <p:spPr>
+          <a:xfrm>
+            <a:off x="-32154" y="4318942"/>
+            <a:ext cx="1664212" cy="369332"/>
+          </a:xfrm>
+          <a:prstGeom prst="rect">
+            <a:avLst/>
+          </a:prstGeom>
+          <a:noFill/>
+        </p:spPr>
+        <p:txBody>
+          <a:bodyPr wrap="square" rtlCol="0">
+            <a:spAutoFit/>
+          </a:bodyPr>
+          <a:lstStyle/>
+          <a:p>
+            <a:r>
+              <a:rPr lang="en-US" sz="900" dirty="0"/>
+              <a:t>Pod updates its state (config) when reloading</a:t>
+            </a:r>
+          </a:p>
+        </p:txBody>
+      </p:sp>
+      <p:cxnSp>
+        <p:nvCxnSpPr>
+          <p:cNvPr id="20" name="Straight Connector 19">
+            <a:extLst>
+              <a:ext uri="{FF2B5EF4-FFF2-40B4-BE49-F238E27FC236}">
+                <a16:creationId xmlns:a16="http://schemas.microsoft.com/office/drawing/2014/main" id="{0D3137ED-4144-A844-9EF5-293F51C9642F}"/>
+              </a:ext>
+            </a:extLst>
+          </p:cNvPr>
+          <p:cNvCxnSpPr>
+            <a:stCxn id="144" idx="2"/>
+            <a:endCxn id="16" idx="4"/>
+          </p:cNvCxnSpPr>
+          <p:nvPr/>
+        </p:nvCxnSpPr>
+        <p:spPr>
+          <a:xfrm flipH="1">
+            <a:off x="10291351" y="4841826"/>
+            <a:ext cx="440662" cy="296621"/>
+          </a:xfrm>
+          <a:prstGeom prst="line">
+            <a:avLst/>
+          </a:prstGeom>
+          <a:ln w="28575"/>
+        </p:spPr>
+        <p:style>
+          <a:lnRef idx="1">
+            <a:schemeClr val="accent1"/>
+          </a:lnRef>
+          <a:fillRef idx="0">
+            <a:schemeClr val="accent1"/>
+          </a:fillRef>
+          <a:effectRef idx="0">
+            <a:schemeClr val="accent1"/>
+          </a:effectRef>
+          <a:fontRef idx="minor">
+            <a:schemeClr val="tx1"/>
+          </a:fontRef>
+        </p:style>
+      </p:cxnSp>
+      <p:grpSp>
+        <p:nvGrpSpPr>
+          <p:cNvPr id="49" name="Group 48">
+            <a:extLst>
+              <a:ext uri="{FF2B5EF4-FFF2-40B4-BE49-F238E27FC236}">
+                <a16:creationId xmlns:a16="http://schemas.microsoft.com/office/drawing/2014/main" id="{44C5A221-6955-C248-B12E-BBB8C76A8AEA}"/>
+              </a:ext>
+            </a:extLst>
+          </p:cNvPr>
+          <p:cNvGrpSpPr/>
+          <p:nvPr/>
+        </p:nvGrpSpPr>
+        <p:grpSpPr>
+          <a:xfrm>
+            <a:off x="5619656" y="4078244"/>
+            <a:ext cx="994172" cy="815906"/>
+            <a:chOff x="7451634" y="809897"/>
+            <a:chExt cx="1262743" cy="1036320"/>
+          </a:xfrm>
+        </p:grpSpPr>
+        <p:sp>
+          <p:nvSpPr>
+            <p:cNvPr id="50" name="Hexagon 49">
+              <a:extLst>
+                <a:ext uri="{FF2B5EF4-FFF2-40B4-BE49-F238E27FC236}">
+                  <a16:creationId xmlns:a16="http://schemas.microsoft.com/office/drawing/2014/main" id="{C34685C1-7050-3549-8902-D82900B143C3}"/>
+                </a:ext>
+              </a:extLst>
+            </p:cNvPr>
+            <p:cNvSpPr/>
+            <p:nvPr/>
+          </p:nvSpPr>
+          <p:spPr>
+            <a:xfrm>
+              <a:off x="7451634" y="809897"/>
+              <a:ext cx="1262743" cy="1036320"/>
+            </a:xfrm>
+            <a:prstGeom prst="hexagon">
+              <a:avLst/>
+            </a:prstGeom>
+            <a:solidFill>
+              <a:srgbClr val="FFFFFF"/>
+            </a:solidFill>
+            <a:ln>
+              <a:solidFill>
+                <a:schemeClr val="tx1"/>
+              </a:solidFill>
+            </a:ln>
+          </p:spPr>
+          <p:style>
+            <a:lnRef idx="3">
+              <a:schemeClr val="lt1"/>
+            </a:lnRef>
+            <a:fillRef idx="1">
+              <a:schemeClr val="accent1"/>
+            </a:fillRef>
+            <a:effectRef idx="1">
+              <a:schemeClr val="accent1"/>
+            </a:effectRef>
+            <a:fontRef idx="minor">
+              <a:schemeClr val="lt1"/>
+            </a:fontRef>
+          </p:style>
+          <p:txBody>
+            <a:bodyPr tIns="0" bIns="0" rtlCol="0" anchor="b" anchorCtr="1"/>
+            <a:lstStyle/>
+            <a:p>
+              <a:pPr algn="ctr"/>
+              <a:r>
+                <a:rPr lang="en-US" sz="1100" dirty="0">
+                  <a:solidFill>
+                    <a:schemeClr val="tx1"/>
+                  </a:solidFill>
+                </a:rPr>
+                <a:t>Reloader</a:t>
+              </a:r>
+              <a:endParaRPr lang="en-US" sz="1400" dirty="0">
+                <a:solidFill>
+                  <a:schemeClr val="tx1"/>
+                </a:solidFill>
+              </a:endParaRPr>
+            </a:p>
+          </p:txBody>
+        </p:sp>
+        <p:pic>
+          <p:nvPicPr>
+            <p:cNvPr id="52" name="Picture 2" descr="Line arrow Rotate left">
+              <a:extLst>
+                <a:ext uri="{FF2B5EF4-FFF2-40B4-BE49-F238E27FC236}">
+                  <a16:creationId xmlns:a16="http://schemas.microsoft.com/office/drawing/2014/main" id="{F01644BC-4268-984D-AFFD-90357219919A}"/>
+                </a:ext>
+              </a:extLst>
+            </p:cNvPr>
+            <p:cNvPicPr>
+              <a:picLocks noChangeAspect="1" noChangeArrowheads="1"/>
+            </p:cNvPicPr>
+            <p:nvPr/>
+          </p:nvPicPr>
+          <p:blipFill>
+            <a:blip r:embed="rId3">
+              <a:extLst>
+                <a:ext uri="{96DAC541-7B7A-43D3-8B79-37D633B846F1}">
+                  <asvg:svgBlip xmlns:asvg="http://schemas.microsoft.com/office/drawing/2016/SVG/main" r:embed="rId4"/>
+                </a:ext>
+              </a:extLst>
+            </a:blip>
+            <a:srcRect/>
+            <a:stretch/>
+          </p:blipFill>
+          <p:spPr bwMode="auto">
+            <a:xfrm>
+              <a:off x="7737184" y="844586"/>
+              <a:ext cx="691642" cy="691642"/>
+            </a:xfrm>
+            <a:prstGeom prst="rect">
+              <a:avLst/>
+            </a:prstGeom>
+            <a:noFill/>
+            <a:extLst>
+              <a:ext uri="{909E8E84-426E-40DD-AFC4-6F175D3DCCD1}">
+                <a14:hiddenFill xmlns:a14="http://schemas.microsoft.com/office/drawing/2010/main">
+                  <a:solidFill>
+                    <a:srgbClr val="FFFFFF"/>
+                  </a:solidFill>
+                </a14:hiddenFill>
+              </a:ext>
+            </a:extLst>
+          </p:spPr>
+        </p:pic>
+      </p:grpSp>
+      <p:sp>
+        <p:nvSpPr>
+          <p:cNvPr id="64" name="Rounded Rectangle 63">
+            <a:extLst>
+              <a:ext uri="{FF2B5EF4-FFF2-40B4-BE49-F238E27FC236}">
+                <a16:creationId xmlns:a16="http://schemas.microsoft.com/office/drawing/2014/main" id="{C8D845F3-CDE7-C04A-9738-067EBEEB648B}"/>
+              </a:ext>
+            </a:extLst>
+          </p:cNvPr>
+          <p:cNvSpPr/>
+          <p:nvPr/>
+        </p:nvSpPr>
+        <p:spPr>
+          <a:xfrm>
+            <a:off x="1679310" y="1849120"/>
+            <a:ext cx="2152097" cy="1901241"/>
+          </a:xfrm>
+          <a:prstGeom prst="roundRect">
+            <a:avLst/>
+          </a:prstGeom>
+        </p:spPr>
+        <p:style>
+          <a:lnRef idx="1">
+            <a:schemeClr val="accent3"/>
+          </a:lnRef>
+          <a:fillRef idx="2">
+            <a:schemeClr val="accent3"/>
+          </a:fillRef>
+          <a:effectRef idx="1">
+            <a:schemeClr val="accent3"/>
+          </a:effectRef>
+          <a:fontRef idx="minor">
+            <a:schemeClr val="dk1"/>
+          </a:fontRef>
+        </p:style>
+        <p:txBody>
+          <a:bodyPr rtlCol="0" anchor="ctr"/>
+          <a:lstStyle/>
+          <a:p>
+            <a:pPr algn="ctr"/>
+            <a:endParaRPr lang="en-US" dirty="0"/>
+          </a:p>
+        </p:txBody>
+      </p:sp>
+      <p:sp>
+        <p:nvSpPr>
+          <p:cNvPr id="65" name="Hexagon 64">
+            <a:extLst>
+              <a:ext uri="{FF2B5EF4-FFF2-40B4-BE49-F238E27FC236}">
+                <a16:creationId xmlns:a16="http://schemas.microsoft.com/office/drawing/2014/main" id="{7FB0BD24-3B31-0E4E-BEEF-BB05DB845B23}"/>
+              </a:ext>
+            </a:extLst>
+          </p:cNvPr>
+          <p:cNvSpPr/>
+          <p:nvPr/>
+        </p:nvSpPr>
+        <p:spPr>
+          <a:xfrm>
+            <a:off x="1742893" y="2837696"/>
+            <a:ext cx="966652" cy="793321"/>
+          </a:xfrm>
+          <a:prstGeom prst="hexagon">
+            <a:avLst/>
+          </a:prstGeom>
+        </p:spPr>
+        <p:style>
+          <a:lnRef idx="3">
+            <a:schemeClr val="lt1"/>
+          </a:lnRef>
+          <a:fillRef idx="1">
+            <a:schemeClr val="accent2"/>
+          </a:fillRef>
+          <a:effectRef idx="1">
+            <a:schemeClr val="accent2"/>
+          </a:effectRef>
+          <a:fontRef idx="minor">
+            <a:schemeClr val="lt1"/>
+          </a:fontRef>
+        </p:style>
+        <p:txBody>
+          <a:bodyPr rtlCol="0" anchor="ctr"/>
+          <a:lstStyle/>
+          <a:p>
+            <a:pPr algn="ctr"/>
+            <a:r>
+              <a:rPr lang="en-US" dirty="0"/>
+              <a:t>App</a:t>
+            </a:r>
+          </a:p>
+        </p:txBody>
+      </p:sp>
+      <p:sp>
+        <p:nvSpPr>
+          <p:cNvPr id="67" name="Hexagon 66">
+            <a:extLst>
+              <a:ext uri="{FF2B5EF4-FFF2-40B4-BE49-F238E27FC236}">
+                <a16:creationId xmlns:a16="http://schemas.microsoft.com/office/drawing/2014/main" id="{7FE21D67-2951-7241-B1AA-F9AC9ABA94B0}"/>
+              </a:ext>
+            </a:extLst>
+          </p:cNvPr>
+          <p:cNvSpPr/>
+          <p:nvPr/>
+        </p:nvSpPr>
+        <p:spPr>
+          <a:xfrm>
+            <a:off x="2669798" y="2065298"/>
+            <a:ext cx="966652" cy="793321"/>
+          </a:xfrm>
+          <a:prstGeom prst="hexagon">
+            <a:avLst/>
+          </a:prstGeom>
+        </p:spPr>
+        <p:style>
+          <a:lnRef idx="3">
+            <a:schemeClr val="lt1"/>
+          </a:lnRef>
+          <a:fillRef idx="1">
+            <a:schemeClr val="accent2"/>
+          </a:fillRef>
+          <a:effectRef idx="1">
+            <a:schemeClr val="accent2"/>
+          </a:effectRef>
+          <a:fontRef idx="minor">
+            <a:schemeClr val="lt1"/>
+          </a:fontRef>
+        </p:style>
+        <p:txBody>
+          <a:bodyPr rtlCol="0" anchor="ctr"/>
+          <a:lstStyle/>
+          <a:p>
+            <a:pPr algn="ctr"/>
+            <a:r>
+              <a:rPr lang="en-US" sz="1600" dirty="0"/>
+              <a:t>Proxy</a:t>
+            </a:r>
+          </a:p>
+        </p:txBody>
+      </p:sp>
+      <p:sp>
+        <p:nvSpPr>
+          <p:cNvPr id="68" name="Folded Corner 67">
+            <a:extLst>
+              <a:ext uri="{FF2B5EF4-FFF2-40B4-BE49-F238E27FC236}">
+                <a16:creationId xmlns:a16="http://schemas.microsoft.com/office/drawing/2014/main" id="{B1137FC6-109B-A343-A4FA-B90F3E37C020}"/>
+              </a:ext>
+            </a:extLst>
+          </p:cNvPr>
+          <p:cNvSpPr/>
+          <p:nvPr/>
+        </p:nvSpPr>
+        <p:spPr>
+          <a:xfrm>
+            <a:off x="4234677" y="2973590"/>
+            <a:ext cx="673715" cy="812506"/>
+          </a:xfrm>
+          <a:prstGeom prst="foldedCorner">
+            <a:avLst/>
+          </a:prstGeom>
+        </p:spPr>
+        <p:style>
+          <a:lnRef idx="2">
+            <a:schemeClr val="accent1">
+              <a:shade val="50000"/>
+            </a:schemeClr>
+          </a:lnRef>
+          <a:fillRef idx="1">
+            <a:schemeClr val="accent1"/>
+          </a:fillRef>
+          <a:effectRef idx="0">
+            <a:schemeClr val="accent1"/>
+          </a:effectRef>
+          <a:fontRef idx="minor">
+            <a:schemeClr val="lt1"/>
+          </a:fontRef>
+        </p:style>
+        <p:txBody>
+          <a:bodyPr rtlCol="0" anchor="ctr"/>
+          <a:lstStyle/>
+          <a:p>
+            <a:pPr algn="ctr"/>
+            <a:r>
+              <a:rPr lang="en-US" sz="1200" dirty="0"/>
+              <a:t>Config</a:t>
+            </a:r>
+          </a:p>
+          <a:p>
+            <a:pPr algn="ctr"/>
+            <a:r>
+              <a:rPr lang="en-US" sz="1200" dirty="0"/>
+              <a:t>map</a:t>
+            </a:r>
+          </a:p>
+        </p:txBody>
+      </p:sp>
+      <p:cxnSp>
+        <p:nvCxnSpPr>
+          <p:cNvPr id="69" name="Straight Connector 68">
+            <a:extLst>
+              <a:ext uri="{FF2B5EF4-FFF2-40B4-BE49-F238E27FC236}">
+                <a16:creationId xmlns:a16="http://schemas.microsoft.com/office/drawing/2014/main" id="{5B4D8F2D-6AE5-A949-B679-C35F5AEBF5A4}"/>
+              </a:ext>
+            </a:extLst>
+          </p:cNvPr>
+          <p:cNvCxnSpPr>
+            <a:cxnSpLocks/>
+            <a:endCxn id="68" idx="1"/>
+          </p:cNvCxnSpPr>
+          <p:nvPr/>
+        </p:nvCxnSpPr>
+        <p:spPr>
+          <a:xfrm flipV="1">
+            <a:off x="3831407" y="3379843"/>
+            <a:ext cx="403270" cy="1"/>
+          </a:xfrm>
+          <a:prstGeom prst="line">
+            <a:avLst/>
+          </a:prstGeom>
+          <a:ln w="28575">
+            <a:solidFill>
+              <a:srgbClr val="FF0000"/>
+            </a:solidFill>
+          </a:ln>
+        </p:spPr>
+        <p:style>
+          <a:lnRef idx="1">
+            <a:schemeClr val="accent1"/>
+          </a:lnRef>
+          <a:fillRef idx="0">
+            <a:schemeClr val="accent1"/>
+          </a:fillRef>
+          <a:effectRef idx="0">
+            <a:schemeClr val="accent1"/>
+          </a:effectRef>
+          <a:fontRef idx="minor">
+            <a:schemeClr val="tx1"/>
+          </a:fontRef>
+        </p:style>
+      </p:cxnSp>
+      <p:sp>
+        <p:nvSpPr>
+          <p:cNvPr id="70" name="TextBox 69">
+            <a:extLst>
+              <a:ext uri="{FF2B5EF4-FFF2-40B4-BE49-F238E27FC236}">
+                <a16:creationId xmlns:a16="http://schemas.microsoft.com/office/drawing/2014/main" id="{8FBF8C9D-FF34-CE4E-A2AD-1CC977D50138}"/>
+              </a:ext>
+            </a:extLst>
+          </p:cNvPr>
+          <p:cNvSpPr txBox="1"/>
+          <p:nvPr/>
+        </p:nvSpPr>
+        <p:spPr>
+          <a:xfrm>
+            <a:off x="1721454" y="2084540"/>
+            <a:ext cx="988091" cy="523220"/>
+          </a:xfrm>
+          <a:prstGeom prst="rect">
+            <a:avLst/>
+          </a:prstGeom>
+          <a:noFill/>
+        </p:spPr>
+        <p:txBody>
+          <a:bodyPr wrap="none" rtlCol="0">
+            <a:spAutoFit/>
+          </a:bodyPr>
+          <a:lstStyle/>
+          <a:p>
+            <a:pPr algn="ctr"/>
+            <a:r>
+              <a:rPr lang="en-US" sz="1400" dirty="0"/>
+              <a:t>Production</a:t>
+            </a:r>
+          </a:p>
+          <a:p>
+            <a:pPr algn="ctr"/>
+            <a:r>
+              <a:rPr lang="en-US" sz="1400" dirty="0"/>
+              <a:t>Pod</a:t>
+            </a:r>
+          </a:p>
+        </p:txBody>
+      </p:sp>
+      <p:sp>
+        <p:nvSpPr>
+          <p:cNvPr id="71" name="Hexagon 70">
+            <a:extLst>
+              <a:ext uri="{FF2B5EF4-FFF2-40B4-BE49-F238E27FC236}">
+                <a16:creationId xmlns:a16="http://schemas.microsoft.com/office/drawing/2014/main" id="{8506892B-F98B-F047-8A07-18676D29167E}"/>
+              </a:ext>
+            </a:extLst>
+          </p:cNvPr>
+          <p:cNvSpPr/>
+          <p:nvPr/>
+        </p:nvSpPr>
+        <p:spPr>
+          <a:xfrm>
+            <a:off x="6817933" y="2936270"/>
+            <a:ext cx="1002037" cy="822361"/>
+          </a:xfrm>
+          <a:prstGeom prst="hexagon">
+            <a:avLst/>
+          </a:prstGeom>
+        </p:spPr>
+        <p:style>
+          <a:lnRef idx="3">
+            <a:schemeClr val="lt1"/>
+          </a:lnRef>
+          <a:fillRef idx="1">
+            <a:schemeClr val="accent2"/>
+          </a:fillRef>
+          <a:effectRef idx="1">
+            <a:schemeClr val="accent2"/>
+          </a:effectRef>
+          <a:fontRef idx="minor">
+            <a:schemeClr val="lt1"/>
+          </a:fontRef>
+        </p:style>
+        <p:txBody>
+          <a:bodyPr rtlCol="0" anchor="ctr"/>
+          <a:lstStyle/>
+          <a:p>
+            <a:pPr algn="ctr"/>
+            <a:r>
+              <a:rPr lang="en-US" sz="1400" dirty="0"/>
+              <a:t>Smart</a:t>
+            </a:r>
+          </a:p>
+          <a:p>
+            <a:pPr algn="ctr"/>
+            <a:r>
+              <a:rPr lang="en-US" sz="1400" dirty="0"/>
+              <a:t>Tuning</a:t>
+            </a:r>
+          </a:p>
+        </p:txBody>
+      </p:sp>
+      <p:cxnSp>
+        <p:nvCxnSpPr>
+          <p:cNvPr id="37" name="Straight Connector 36">
+            <a:extLst>
+              <a:ext uri="{FF2B5EF4-FFF2-40B4-BE49-F238E27FC236}">
+                <a16:creationId xmlns:a16="http://schemas.microsoft.com/office/drawing/2014/main" id="{CBB0D0C8-C514-2644-BC1F-FF450B120A3D}"/>
+              </a:ext>
+            </a:extLst>
+          </p:cNvPr>
+          <p:cNvCxnSpPr>
+            <a:cxnSpLocks/>
+          </p:cNvCxnSpPr>
+          <p:nvPr/>
+        </p:nvCxnSpPr>
+        <p:spPr>
+          <a:xfrm>
+            <a:off x="3636450" y="2461958"/>
+            <a:ext cx="396592" cy="0"/>
+          </a:xfrm>
+          <a:prstGeom prst="line">
+            <a:avLst/>
+          </a:prstGeom>
+          <a:ln w="28575"/>
+        </p:spPr>
+        <p:style>
+          <a:lnRef idx="1">
+            <a:schemeClr val="dk1"/>
+          </a:lnRef>
+          <a:fillRef idx="0">
+            <a:schemeClr val="dk1"/>
+          </a:fillRef>
+          <a:effectRef idx="0">
+            <a:schemeClr val="dk1"/>
+          </a:effectRef>
+          <a:fontRef idx="minor">
+            <a:schemeClr val="tx1"/>
+          </a:fontRef>
+        </p:style>
+      </p:cxnSp>
+      <p:cxnSp>
+        <p:nvCxnSpPr>
+          <p:cNvPr id="74" name="Straight Connector 73">
+            <a:extLst>
+              <a:ext uri="{FF2B5EF4-FFF2-40B4-BE49-F238E27FC236}">
+                <a16:creationId xmlns:a16="http://schemas.microsoft.com/office/drawing/2014/main" id="{342C4D48-B941-444C-BE6D-DB4C18B43696}"/>
+              </a:ext>
+            </a:extLst>
+          </p:cNvPr>
+          <p:cNvCxnSpPr>
+            <a:cxnSpLocks/>
+          </p:cNvCxnSpPr>
+          <p:nvPr/>
+        </p:nvCxnSpPr>
+        <p:spPr>
+          <a:xfrm flipV="1">
+            <a:off x="4037652" y="2230429"/>
+            <a:ext cx="0" cy="423391"/>
+          </a:xfrm>
+          <a:prstGeom prst="line">
+            <a:avLst/>
+          </a:prstGeom>
+          <a:ln w="28575"/>
+        </p:spPr>
+        <p:style>
+          <a:lnRef idx="1">
+            <a:schemeClr val="dk1"/>
+          </a:lnRef>
+          <a:fillRef idx="0">
+            <a:schemeClr val="dk1"/>
+          </a:fillRef>
+          <a:effectRef idx="0">
+            <a:schemeClr val="dk1"/>
+          </a:effectRef>
+          <a:fontRef idx="minor">
+            <a:schemeClr val="tx1"/>
+          </a:fontRef>
+        </p:style>
+      </p:cxnSp>
+      <p:cxnSp>
+        <p:nvCxnSpPr>
+          <p:cNvPr id="81" name="Straight Connector 80">
+            <a:extLst>
+              <a:ext uri="{FF2B5EF4-FFF2-40B4-BE49-F238E27FC236}">
+                <a16:creationId xmlns:a16="http://schemas.microsoft.com/office/drawing/2014/main" id="{3D64E555-743E-4C4F-9962-5BEE99D311F1}"/>
+              </a:ext>
+            </a:extLst>
+          </p:cNvPr>
+          <p:cNvCxnSpPr>
+            <a:cxnSpLocks/>
+          </p:cNvCxnSpPr>
+          <p:nvPr/>
+        </p:nvCxnSpPr>
+        <p:spPr>
+          <a:xfrm>
+            <a:off x="3660724" y="4616132"/>
+            <a:ext cx="396592" cy="0"/>
+          </a:xfrm>
+          <a:prstGeom prst="line">
+            <a:avLst/>
+          </a:prstGeom>
+          <a:ln w="28575"/>
+        </p:spPr>
+        <p:style>
+          <a:lnRef idx="1">
+            <a:schemeClr val="dk1"/>
+          </a:lnRef>
+          <a:fillRef idx="0">
+            <a:schemeClr val="dk1"/>
+          </a:fillRef>
+          <a:effectRef idx="0">
+            <a:schemeClr val="dk1"/>
+          </a:effectRef>
+          <a:fontRef idx="minor">
+            <a:schemeClr val="tx1"/>
+          </a:fontRef>
+        </p:style>
+      </p:cxnSp>
+      <p:cxnSp>
+        <p:nvCxnSpPr>
+          <p:cNvPr id="82" name="Straight Connector 81">
+            <a:extLst>
+              <a:ext uri="{FF2B5EF4-FFF2-40B4-BE49-F238E27FC236}">
+                <a16:creationId xmlns:a16="http://schemas.microsoft.com/office/drawing/2014/main" id="{24C1A723-38A8-FB4B-83FA-C7F19E2CB8CC}"/>
+              </a:ext>
+            </a:extLst>
+          </p:cNvPr>
+          <p:cNvCxnSpPr>
+            <a:cxnSpLocks/>
+          </p:cNvCxnSpPr>
+          <p:nvPr/>
+        </p:nvCxnSpPr>
+        <p:spPr>
+          <a:xfrm flipV="1">
+            <a:off x="4061926" y="4384603"/>
+            <a:ext cx="0" cy="423391"/>
+          </a:xfrm>
+          <a:prstGeom prst="line">
+            <a:avLst/>
+          </a:prstGeom>
+          <a:ln w="28575"/>
+        </p:spPr>
+        <p:style>
+          <a:lnRef idx="1">
+            <a:schemeClr val="dk1"/>
+          </a:lnRef>
+          <a:fillRef idx="0">
+            <a:schemeClr val="dk1"/>
+          </a:fillRef>
+          <a:effectRef idx="0">
+            <a:schemeClr val="dk1"/>
+          </a:effectRef>
+          <a:fontRef idx="minor">
+            <a:schemeClr val="tx1"/>
+          </a:fontRef>
+        </p:style>
+      </p:cxnSp>
+      <p:sp>
+        <p:nvSpPr>
+          <p:cNvPr id="40" name="Freeform 39">
+            <a:extLst>
+              <a:ext uri="{FF2B5EF4-FFF2-40B4-BE49-F238E27FC236}">
+                <a16:creationId xmlns:a16="http://schemas.microsoft.com/office/drawing/2014/main" id="{FA553B95-82BA-0743-BD8C-6A0E85EB4699}"/>
+              </a:ext>
+            </a:extLst>
+          </p:cNvPr>
+          <p:cNvSpPr/>
+          <p:nvPr/>
+        </p:nvSpPr>
+        <p:spPr>
+          <a:xfrm>
+            <a:off x="4050890" y="2399072"/>
+            <a:ext cx="1504336" cy="92062"/>
+          </a:xfrm>
+          <a:custGeom>
+            <a:avLst/>
+            <a:gdLst>
+              <a:gd name="connsiteX0" fmla="*/ 0 w 1504336"/>
+              <a:gd name="connsiteY0" fmla="*/ 550887 h 550887"/>
+              <a:gd name="connsiteX1" fmla="*/ 639097 w 1504336"/>
+              <a:gd name="connsiteY1" fmla="*/ 280 h 550887"/>
+              <a:gd name="connsiteX2" fmla="*/ 1504336 w 1504336"/>
+              <a:gd name="connsiteY2" fmla="*/ 491893 h 550887"/>
+              <a:gd name="connsiteX0" fmla="*/ 0 w 1504336"/>
+              <a:gd name="connsiteY0" fmla="*/ 257464 h 257464"/>
+              <a:gd name="connsiteX1" fmla="*/ 688258 w 1504336"/>
+              <a:gd name="connsiteY1" fmla="*/ 11657 h 257464"/>
+              <a:gd name="connsiteX2" fmla="*/ 1504336 w 1504336"/>
+              <a:gd name="connsiteY2" fmla="*/ 198470 h 257464"/>
+              <a:gd name="connsiteX0" fmla="*/ 0 w 1504336"/>
+              <a:gd name="connsiteY0" fmla="*/ 246024 h 246024"/>
+              <a:gd name="connsiteX1" fmla="*/ 688258 w 1504336"/>
+              <a:gd name="connsiteY1" fmla="*/ 217 h 246024"/>
+              <a:gd name="connsiteX2" fmla="*/ 1504336 w 1504336"/>
+              <a:gd name="connsiteY2" fmla="*/ 187030 h 246024"/>
+              <a:gd name="connsiteX0" fmla="*/ 0 w 1504336"/>
+              <a:gd name="connsiteY0" fmla="*/ 246024 h 246024"/>
+              <a:gd name="connsiteX1" fmla="*/ 688258 w 1504336"/>
+              <a:gd name="connsiteY1" fmla="*/ 217 h 246024"/>
+              <a:gd name="connsiteX2" fmla="*/ 1504336 w 1504336"/>
+              <a:gd name="connsiteY2" fmla="*/ 187030 h 246024"/>
+              <a:gd name="connsiteX0" fmla="*/ 0 w 1504336"/>
+              <a:gd name="connsiteY0" fmla="*/ 58994 h 98847"/>
+              <a:gd name="connsiteX1" fmla="*/ 953729 w 1504336"/>
+              <a:gd name="connsiteY1" fmla="*/ 98323 h 98847"/>
+              <a:gd name="connsiteX2" fmla="*/ 1504336 w 1504336"/>
+              <a:gd name="connsiteY2" fmla="*/ 0 h 98847"/>
+              <a:gd name="connsiteX0" fmla="*/ 0 w 1504336"/>
+              <a:gd name="connsiteY0" fmla="*/ 58994 h 58994"/>
+              <a:gd name="connsiteX1" fmla="*/ 1504336 w 1504336"/>
+              <a:gd name="connsiteY1" fmla="*/ 0 h 58994"/>
+              <a:gd name="connsiteX0" fmla="*/ 0 w 1504336"/>
+              <a:gd name="connsiteY0" fmla="*/ 58994 h 92062"/>
+              <a:gd name="connsiteX1" fmla="*/ 766916 w 1504336"/>
+              <a:gd name="connsiteY1" fmla="*/ 88489 h 92062"/>
+              <a:gd name="connsiteX2" fmla="*/ 1504336 w 1504336"/>
+              <a:gd name="connsiteY2" fmla="*/ 0 h 92062"/>
+            </a:gdLst>
+            <a:ahLst/>
+            <a:cxnLst>
+              <a:cxn ang="0">
+                <a:pos x="connsiteX0" y="connsiteY0"/>
+              </a:cxn>
+              <a:cxn ang="0">
+                <a:pos x="connsiteX1" y="connsiteY1"/>
+              </a:cxn>
+              <a:cxn ang="0">
+                <a:pos x="connsiteX2" y="connsiteY2"/>
+              </a:cxn>
+            </a:cxnLst>
+            <a:rect l="l" t="t" r="r" b="b"/>
+            <a:pathLst>
+              <a:path w="1504336" h="92062">
+                <a:moveTo>
+                  <a:pt x="0" y="58994"/>
+                </a:moveTo>
+                <a:cubicBezTo>
+                  <a:pt x="252361" y="39329"/>
+                  <a:pt x="514555" y="108154"/>
+                  <a:pt x="766916" y="88489"/>
+                </a:cubicBezTo>
+                <a:lnTo>
+                  <a:pt x="1504336" y="0"/>
+                </a:lnTo>
+              </a:path>
+            </a:pathLst>
+          </a:custGeom>
+          <a:noFill/>
+          <a:ln>
+            <a:headEnd type="none" w="med" len="med"/>
+            <a:tailEnd type="triangle" w="med" len="med"/>
+          </a:ln>
+        </p:spPr>
+        <p:style>
+          <a:lnRef idx="2">
+            <a:schemeClr val="accent1">
+              <a:shade val="50000"/>
+            </a:schemeClr>
+          </a:lnRef>
+          <a:fillRef idx="1">
+            <a:schemeClr val="accent1"/>
+          </a:fillRef>
+          <a:effectRef idx="0">
+            <a:schemeClr val="accent1"/>
+          </a:effectRef>
+          <a:fontRef idx="minor">
+            <a:schemeClr val="lt1"/>
+          </a:fontRef>
+        </p:style>
+        <p:txBody>
+          <a:bodyPr rtlCol="0" anchor="ctr"/>
+          <a:lstStyle/>
+          <a:p>
+            <a:pPr algn="ctr"/>
+            <a:endParaRPr lang="en-US" dirty="0"/>
+          </a:p>
+        </p:txBody>
+      </p:sp>
+      <p:sp>
+        <p:nvSpPr>
+          <p:cNvPr id="45" name="Freeform 44">
+            <a:extLst>
+              <a:ext uri="{FF2B5EF4-FFF2-40B4-BE49-F238E27FC236}">
+                <a16:creationId xmlns:a16="http://schemas.microsoft.com/office/drawing/2014/main" id="{6E9C51D3-F25B-C646-86F4-8B945CD21C06}"/>
+              </a:ext>
+            </a:extLst>
+          </p:cNvPr>
+          <p:cNvSpPr/>
+          <p:nvPr/>
+        </p:nvSpPr>
+        <p:spPr>
+          <a:xfrm>
+            <a:off x="4070555" y="2467897"/>
+            <a:ext cx="1484671" cy="2153264"/>
+          </a:xfrm>
+          <a:custGeom>
+            <a:avLst/>
+            <a:gdLst>
+              <a:gd name="connsiteX0" fmla="*/ 0 w 1722836"/>
+              <a:gd name="connsiteY0" fmla="*/ 2153264 h 2153264"/>
+              <a:gd name="connsiteX1" fmla="*/ 1602658 w 1722836"/>
+              <a:gd name="connsiteY1" fmla="*/ 1327355 h 2153264"/>
+              <a:gd name="connsiteX2" fmla="*/ 1484671 w 1722836"/>
+              <a:gd name="connsiteY2" fmla="*/ 0 h 2153264"/>
+              <a:gd name="connsiteX0" fmla="*/ 0 w 1593338"/>
+              <a:gd name="connsiteY0" fmla="*/ 2153264 h 2153264"/>
+              <a:gd name="connsiteX1" fmla="*/ 1366684 w 1593338"/>
+              <a:gd name="connsiteY1" fmla="*/ 1140542 h 2153264"/>
+              <a:gd name="connsiteX2" fmla="*/ 1484671 w 1593338"/>
+              <a:gd name="connsiteY2" fmla="*/ 0 h 2153264"/>
+              <a:gd name="connsiteX0" fmla="*/ 0 w 1532504"/>
+              <a:gd name="connsiteY0" fmla="*/ 2153264 h 2153264"/>
+              <a:gd name="connsiteX1" fmla="*/ 1366684 w 1532504"/>
+              <a:gd name="connsiteY1" fmla="*/ 1140542 h 2153264"/>
+              <a:gd name="connsiteX2" fmla="*/ 1484671 w 1532504"/>
+              <a:gd name="connsiteY2" fmla="*/ 0 h 2153264"/>
+              <a:gd name="connsiteX0" fmla="*/ 0 w 1519836"/>
+              <a:gd name="connsiteY0" fmla="*/ 2153264 h 2153264"/>
+              <a:gd name="connsiteX1" fmla="*/ 1179871 w 1519836"/>
+              <a:gd name="connsiteY1" fmla="*/ 1042219 h 2153264"/>
+              <a:gd name="connsiteX2" fmla="*/ 1484671 w 1519836"/>
+              <a:gd name="connsiteY2" fmla="*/ 0 h 2153264"/>
+              <a:gd name="connsiteX0" fmla="*/ 0 w 1533805"/>
+              <a:gd name="connsiteY0" fmla="*/ 2153264 h 2153264"/>
+              <a:gd name="connsiteX1" fmla="*/ 1179871 w 1533805"/>
+              <a:gd name="connsiteY1" fmla="*/ 1042219 h 2153264"/>
+              <a:gd name="connsiteX2" fmla="*/ 1484671 w 1533805"/>
+              <a:gd name="connsiteY2" fmla="*/ 0 h 2153264"/>
+              <a:gd name="connsiteX0" fmla="*/ 0 w 1484671"/>
+              <a:gd name="connsiteY0" fmla="*/ 2153264 h 2153264"/>
+              <a:gd name="connsiteX1" fmla="*/ 1179871 w 1484671"/>
+              <a:gd name="connsiteY1" fmla="*/ 1042219 h 2153264"/>
+              <a:gd name="connsiteX2" fmla="*/ 1484671 w 1484671"/>
+              <a:gd name="connsiteY2" fmla="*/ 0 h 2153264"/>
+            </a:gdLst>
+            <a:ahLst/>
+            <a:cxnLst>
+              <a:cxn ang="0">
+                <a:pos x="connsiteX0" y="connsiteY0"/>
+              </a:cxn>
+              <a:cxn ang="0">
+                <a:pos x="connsiteX1" y="connsiteY1"/>
+              </a:cxn>
+              <a:cxn ang="0">
+                <a:pos x="connsiteX2" y="connsiteY2"/>
+              </a:cxn>
+            </a:cxnLst>
+            <a:rect l="l" t="t" r="r" b="b"/>
+            <a:pathLst>
+              <a:path w="1484671" h="2153264">
+                <a:moveTo>
+                  <a:pt x="0" y="2153264"/>
+                </a:moveTo>
+                <a:cubicBezTo>
+                  <a:pt x="677606" y="1919748"/>
+                  <a:pt x="1070077" y="1686231"/>
+                  <a:pt x="1179871" y="1042219"/>
+                </a:cubicBezTo>
+                <a:cubicBezTo>
+                  <a:pt x="1289665" y="398207"/>
+                  <a:pt x="1116781" y="248264"/>
+                  <a:pt x="1484671" y="0"/>
+                </a:cubicBezTo>
+              </a:path>
+            </a:pathLst>
+          </a:custGeom>
+          <a:noFill/>
+          <a:ln>
+            <a:headEnd type="none" w="med" len="med"/>
+            <a:tailEnd type="triangle" w="med" len="med"/>
+          </a:ln>
+        </p:spPr>
+        <p:style>
+          <a:lnRef idx="2">
+            <a:schemeClr val="accent1">
+              <a:shade val="50000"/>
+            </a:schemeClr>
+          </a:lnRef>
+          <a:fillRef idx="1">
+            <a:schemeClr val="accent1"/>
+          </a:fillRef>
+          <a:effectRef idx="0">
+            <a:schemeClr val="accent1"/>
+          </a:effectRef>
+          <a:fontRef idx="minor">
+            <a:schemeClr val="lt1"/>
+          </a:fontRef>
+        </p:style>
+        <p:txBody>
+          <a:bodyPr rtlCol="0" anchor="ctr"/>
+          <a:lstStyle/>
+          <a:p>
+            <a:pPr algn="ctr"/>
+            <a:endParaRPr lang="en-US"/>
+          </a:p>
+        </p:txBody>
+      </p:sp>
+      <p:sp>
+        <p:nvSpPr>
+          <p:cNvPr id="47" name="Freeform 46">
+            <a:extLst>
+              <a:ext uri="{FF2B5EF4-FFF2-40B4-BE49-F238E27FC236}">
+                <a16:creationId xmlns:a16="http://schemas.microsoft.com/office/drawing/2014/main" id="{31D40B56-AD49-ED4F-ACAC-5C9C76BF86C3}"/>
+              </a:ext>
+            </a:extLst>
+          </p:cNvPr>
+          <p:cNvSpPr/>
+          <p:nvPr/>
+        </p:nvSpPr>
+        <p:spPr>
+          <a:xfrm>
+            <a:off x="4925961" y="3342968"/>
+            <a:ext cx="806245" cy="816077"/>
+          </a:xfrm>
+          <a:custGeom>
+            <a:avLst/>
+            <a:gdLst>
+              <a:gd name="connsiteX0" fmla="*/ 0 w 806245"/>
+              <a:gd name="connsiteY0" fmla="*/ 0 h 816077"/>
+              <a:gd name="connsiteX1" fmla="*/ 540774 w 806245"/>
+              <a:gd name="connsiteY1" fmla="*/ 255638 h 816077"/>
+              <a:gd name="connsiteX2" fmla="*/ 806245 w 806245"/>
+              <a:gd name="connsiteY2" fmla="*/ 816077 h 816077"/>
+            </a:gdLst>
+            <a:ahLst/>
+            <a:cxnLst>
+              <a:cxn ang="0">
+                <a:pos x="connsiteX0" y="connsiteY0"/>
+              </a:cxn>
+              <a:cxn ang="0">
+                <a:pos x="connsiteX1" y="connsiteY1"/>
+              </a:cxn>
+              <a:cxn ang="0">
+                <a:pos x="connsiteX2" y="connsiteY2"/>
+              </a:cxn>
+            </a:cxnLst>
+            <a:rect l="l" t="t" r="r" b="b"/>
+            <a:pathLst>
+              <a:path w="806245" h="816077">
+                <a:moveTo>
+                  <a:pt x="0" y="0"/>
+                </a:moveTo>
+                <a:cubicBezTo>
+                  <a:pt x="203200" y="59812"/>
+                  <a:pt x="406400" y="119625"/>
+                  <a:pt x="540774" y="255638"/>
+                </a:cubicBezTo>
+                <a:cubicBezTo>
+                  <a:pt x="675148" y="391651"/>
+                  <a:pt x="740696" y="603864"/>
+                  <a:pt x="806245" y="816077"/>
+                </a:cubicBezTo>
+              </a:path>
+            </a:pathLst>
+          </a:custGeom>
+          <a:noFill/>
+          <a:ln>
+            <a:headEnd type="none" w="med" len="med"/>
+            <a:tailEnd type="triangle" w="med" len="med"/>
+          </a:ln>
+        </p:spPr>
+        <p:style>
+          <a:lnRef idx="2">
+            <a:schemeClr val="accent1">
+              <a:shade val="50000"/>
+            </a:schemeClr>
+          </a:lnRef>
+          <a:fillRef idx="1">
+            <a:schemeClr val="accent1"/>
+          </a:fillRef>
+          <a:effectRef idx="0">
+            <a:schemeClr val="accent1"/>
+          </a:effectRef>
+          <a:fontRef idx="minor">
+            <a:schemeClr val="lt1"/>
+          </a:fontRef>
+        </p:style>
+        <p:txBody>
+          <a:bodyPr rtlCol="0" anchor="ctr"/>
+          <a:lstStyle/>
+          <a:p>
+            <a:pPr algn="ctr"/>
+            <a:endParaRPr lang="en-US"/>
+          </a:p>
+        </p:txBody>
+      </p:sp>
+      <p:sp>
+        <p:nvSpPr>
+          <p:cNvPr id="48" name="Freeform 47">
+            <a:extLst>
+              <a:ext uri="{FF2B5EF4-FFF2-40B4-BE49-F238E27FC236}">
+                <a16:creationId xmlns:a16="http://schemas.microsoft.com/office/drawing/2014/main" id="{10421528-476E-5740-A990-EB149DFA9F6A}"/>
+              </a:ext>
+            </a:extLst>
+          </p:cNvPr>
+          <p:cNvSpPr/>
+          <p:nvPr/>
+        </p:nvSpPr>
+        <p:spPr>
+          <a:xfrm>
+            <a:off x="4975123" y="4857135"/>
+            <a:ext cx="766916" cy="711075"/>
+          </a:xfrm>
+          <a:custGeom>
+            <a:avLst/>
+            <a:gdLst>
+              <a:gd name="connsiteX0" fmla="*/ 0 w 766916"/>
+              <a:gd name="connsiteY0" fmla="*/ 668594 h 711075"/>
+              <a:gd name="connsiteX1" fmla="*/ 452283 w 766916"/>
+              <a:gd name="connsiteY1" fmla="*/ 639097 h 711075"/>
+              <a:gd name="connsiteX2" fmla="*/ 766916 w 766916"/>
+              <a:gd name="connsiteY2" fmla="*/ 0 h 711075"/>
+            </a:gdLst>
+            <a:ahLst/>
+            <a:cxnLst>
+              <a:cxn ang="0">
+                <a:pos x="connsiteX0" y="connsiteY0"/>
+              </a:cxn>
+              <a:cxn ang="0">
+                <a:pos x="connsiteX1" y="connsiteY1"/>
+              </a:cxn>
+              <a:cxn ang="0">
+                <a:pos x="connsiteX2" y="connsiteY2"/>
+              </a:cxn>
+            </a:cxnLst>
+            <a:rect l="l" t="t" r="r" b="b"/>
+            <a:pathLst>
+              <a:path w="766916" h="711075">
+                <a:moveTo>
+                  <a:pt x="0" y="668594"/>
+                </a:moveTo>
+                <a:cubicBezTo>
+                  <a:pt x="162232" y="709561"/>
+                  <a:pt x="324464" y="750529"/>
+                  <a:pt x="452283" y="639097"/>
+                </a:cubicBezTo>
+                <a:cubicBezTo>
+                  <a:pt x="580102" y="527665"/>
+                  <a:pt x="673509" y="263832"/>
+                  <a:pt x="766916" y="0"/>
+                </a:cubicBezTo>
+              </a:path>
+            </a:pathLst>
+          </a:custGeom>
+          <a:noFill/>
+          <a:ln>
+            <a:headEnd type="none" w="med" len="med"/>
+            <a:tailEnd type="triangle" w="med" len="med"/>
+          </a:ln>
+        </p:spPr>
+        <p:style>
+          <a:lnRef idx="2">
+            <a:schemeClr val="accent1">
+              <a:shade val="50000"/>
+            </a:schemeClr>
+          </a:lnRef>
+          <a:fillRef idx="1">
+            <a:schemeClr val="accent1"/>
+          </a:fillRef>
+          <a:effectRef idx="0">
+            <a:schemeClr val="accent1"/>
+          </a:effectRef>
+          <a:fontRef idx="minor">
+            <a:schemeClr val="lt1"/>
+          </a:fontRef>
+        </p:style>
+        <p:txBody>
+          <a:bodyPr rtlCol="0" anchor="ctr"/>
+          <a:lstStyle/>
+          <a:p>
+            <a:pPr algn="ctr"/>
+            <a:endParaRPr lang="en-US"/>
+          </a:p>
+        </p:txBody>
+      </p:sp>
+      <p:sp>
+        <p:nvSpPr>
+          <p:cNvPr id="53" name="Freeform 52">
+            <a:extLst>
+              <a:ext uri="{FF2B5EF4-FFF2-40B4-BE49-F238E27FC236}">
+                <a16:creationId xmlns:a16="http://schemas.microsoft.com/office/drawing/2014/main" id="{24C7251D-B553-3B42-9A10-33500CCEFC8B}"/>
+              </a:ext>
+            </a:extLst>
+          </p:cNvPr>
+          <p:cNvSpPr/>
+          <p:nvPr/>
+        </p:nvSpPr>
+        <p:spPr>
+          <a:xfrm>
+            <a:off x="3854245" y="2729319"/>
+            <a:ext cx="2261420" cy="1321571"/>
+          </a:xfrm>
+          <a:custGeom>
+            <a:avLst/>
+            <a:gdLst>
+              <a:gd name="connsiteX0" fmla="*/ 2261420 w 2261420"/>
+              <a:gd name="connsiteY0" fmla="*/ 1321571 h 1321571"/>
+              <a:gd name="connsiteX1" fmla="*/ 1592826 w 2261420"/>
+              <a:gd name="connsiteY1" fmla="*/ 122036 h 1321571"/>
+              <a:gd name="connsiteX2" fmla="*/ 0 w 2261420"/>
+              <a:gd name="connsiteY2" fmla="*/ 102371 h 1321571"/>
+            </a:gdLst>
+            <a:ahLst/>
+            <a:cxnLst>
+              <a:cxn ang="0">
+                <a:pos x="connsiteX0" y="connsiteY0"/>
+              </a:cxn>
+              <a:cxn ang="0">
+                <a:pos x="connsiteX1" y="connsiteY1"/>
+              </a:cxn>
+              <a:cxn ang="0">
+                <a:pos x="connsiteX2" y="connsiteY2"/>
+              </a:cxn>
+            </a:cxnLst>
+            <a:rect l="l" t="t" r="r" b="b"/>
+            <a:pathLst>
+              <a:path w="2261420" h="1321571">
+                <a:moveTo>
+                  <a:pt x="2261420" y="1321571"/>
+                </a:moveTo>
+                <a:cubicBezTo>
+                  <a:pt x="2115574" y="823403"/>
+                  <a:pt x="1969729" y="325236"/>
+                  <a:pt x="1592826" y="122036"/>
+                </a:cubicBezTo>
+                <a:cubicBezTo>
+                  <a:pt x="1215923" y="-81164"/>
+                  <a:pt x="607961" y="10603"/>
+                  <a:pt x="0" y="102371"/>
+                </a:cubicBezTo>
+              </a:path>
+            </a:pathLst>
+          </a:custGeom>
+          <a:noFill/>
+          <a:ln>
+            <a:headEnd type="none" w="med" len="med"/>
+            <a:tailEnd type="triangle" w="med" len="med"/>
+          </a:ln>
+        </p:spPr>
+        <p:style>
+          <a:lnRef idx="2">
+            <a:schemeClr val="accent1">
+              <a:shade val="50000"/>
+            </a:schemeClr>
+          </a:lnRef>
+          <a:fillRef idx="1">
+            <a:schemeClr val="accent1"/>
+          </a:fillRef>
+          <a:effectRef idx="0">
+            <a:schemeClr val="accent1"/>
+          </a:effectRef>
+          <a:fontRef idx="minor">
+            <a:schemeClr val="lt1"/>
+          </a:fontRef>
+        </p:style>
+        <p:txBody>
+          <a:bodyPr rtlCol="0" anchor="ctr"/>
+          <a:lstStyle/>
+          <a:p>
+            <a:pPr algn="ctr"/>
+            <a:endParaRPr lang="en-US"/>
+          </a:p>
+        </p:txBody>
+      </p:sp>
+      <p:sp>
+        <p:nvSpPr>
+          <p:cNvPr id="54" name="Freeform 53">
+            <a:extLst>
+              <a:ext uri="{FF2B5EF4-FFF2-40B4-BE49-F238E27FC236}">
+                <a16:creationId xmlns:a16="http://schemas.microsoft.com/office/drawing/2014/main" id="{5FBC2E16-58B6-3947-B5FA-B52486F7D1AC}"/>
+              </a:ext>
+            </a:extLst>
+          </p:cNvPr>
+          <p:cNvSpPr/>
+          <p:nvPr/>
+        </p:nvSpPr>
+        <p:spPr>
+          <a:xfrm>
+            <a:off x="3893574" y="4709652"/>
+            <a:ext cx="1848465" cy="363793"/>
+          </a:xfrm>
+          <a:custGeom>
+            <a:avLst/>
+            <a:gdLst>
+              <a:gd name="connsiteX0" fmla="*/ 1848465 w 1848465"/>
+              <a:gd name="connsiteY0" fmla="*/ 0 h 363793"/>
+              <a:gd name="connsiteX1" fmla="*/ 1160207 w 1848465"/>
+              <a:gd name="connsiteY1" fmla="*/ 98322 h 363793"/>
+              <a:gd name="connsiteX2" fmla="*/ 0 w 1848465"/>
+              <a:gd name="connsiteY2" fmla="*/ 363793 h 363793"/>
+            </a:gdLst>
+            <a:ahLst/>
+            <a:cxnLst>
+              <a:cxn ang="0">
+                <a:pos x="connsiteX0" y="connsiteY0"/>
+              </a:cxn>
+              <a:cxn ang="0">
+                <a:pos x="connsiteX1" y="connsiteY1"/>
+              </a:cxn>
+              <a:cxn ang="0">
+                <a:pos x="connsiteX2" y="connsiteY2"/>
+              </a:cxn>
+            </a:cxnLst>
+            <a:rect l="l" t="t" r="r" b="b"/>
+            <a:pathLst>
+              <a:path w="1848465" h="363793">
+                <a:moveTo>
+                  <a:pt x="1848465" y="0"/>
+                </a:moveTo>
+                <a:cubicBezTo>
+                  <a:pt x="1658374" y="18845"/>
+                  <a:pt x="1468284" y="37690"/>
+                  <a:pt x="1160207" y="98322"/>
+                </a:cubicBezTo>
+                <a:cubicBezTo>
+                  <a:pt x="852129" y="158954"/>
+                  <a:pt x="426064" y="261373"/>
+                  <a:pt x="0" y="363793"/>
+                </a:cubicBezTo>
+              </a:path>
+            </a:pathLst>
+          </a:custGeom>
+          <a:noFill/>
+          <a:ln>
+            <a:headEnd type="none" w="med" len="med"/>
+            <a:tailEnd type="triangle" w="med" len="med"/>
+          </a:ln>
+        </p:spPr>
+        <p:style>
+          <a:lnRef idx="2">
+            <a:schemeClr val="accent1">
+              <a:shade val="50000"/>
+            </a:schemeClr>
+          </a:lnRef>
+          <a:fillRef idx="1">
+            <a:schemeClr val="accent1"/>
+          </a:fillRef>
+          <a:effectRef idx="0">
+            <a:schemeClr val="accent1"/>
+          </a:effectRef>
+          <a:fontRef idx="minor">
+            <a:schemeClr val="lt1"/>
+          </a:fontRef>
+        </p:style>
+        <p:txBody>
+          <a:bodyPr rtlCol="0" anchor="ctr"/>
+          <a:lstStyle/>
+          <a:p>
+            <a:pPr algn="ctr"/>
+            <a:endParaRPr lang="en-US"/>
+          </a:p>
+        </p:txBody>
+      </p:sp>
+      <p:sp>
+        <p:nvSpPr>
+          <p:cNvPr id="55" name="Freeform 54">
+            <a:extLst>
+              <a:ext uri="{FF2B5EF4-FFF2-40B4-BE49-F238E27FC236}">
+                <a16:creationId xmlns:a16="http://schemas.microsoft.com/office/drawing/2014/main" id="{485BDD16-47D3-764D-96A0-A89127CF75D4}"/>
+              </a:ext>
+            </a:extLst>
+          </p:cNvPr>
+          <p:cNvSpPr/>
+          <p:nvPr/>
+        </p:nvSpPr>
+        <p:spPr>
+          <a:xfrm>
+            <a:off x="6636774" y="2329493"/>
+            <a:ext cx="698091" cy="620184"/>
+          </a:xfrm>
+          <a:custGeom>
+            <a:avLst/>
+            <a:gdLst>
+              <a:gd name="connsiteX0" fmla="*/ 0 w 737420"/>
+              <a:gd name="connsiteY0" fmla="*/ 5526 h 526635"/>
+              <a:gd name="connsiteX1" fmla="*/ 589936 w 737420"/>
+              <a:gd name="connsiteY1" fmla="*/ 74352 h 526635"/>
+              <a:gd name="connsiteX2" fmla="*/ 737420 w 737420"/>
+              <a:gd name="connsiteY2" fmla="*/ 526635 h 526635"/>
+              <a:gd name="connsiteX0" fmla="*/ 0 w 698091"/>
+              <a:gd name="connsiteY0" fmla="*/ 752 h 620184"/>
+              <a:gd name="connsiteX1" fmla="*/ 550607 w 698091"/>
+              <a:gd name="connsiteY1" fmla="*/ 167901 h 620184"/>
+              <a:gd name="connsiteX2" fmla="*/ 698091 w 698091"/>
+              <a:gd name="connsiteY2" fmla="*/ 620184 h 620184"/>
+            </a:gdLst>
+            <a:ahLst/>
+            <a:cxnLst>
+              <a:cxn ang="0">
+                <a:pos x="connsiteX0" y="connsiteY0"/>
+              </a:cxn>
+              <a:cxn ang="0">
+                <a:pos x="connsiteX1" y="connsiteY1"/>
+              </a:cxn>
+              <a:cxn ang="0">
+                <a:pos x="connsiteX2" y="connsiteY2"/>
+              </a:cxn>
+            </a:cxnLst>
+            <a:rect l="l" t="t" r="r" b="b"/>
+            <a:pathLst>
+              <a:path w="698091" h="620184">
+                <a:moveTo>
+                  <a:pt x="0" y="752"/>
+                </a:moveTo>
+                <a:cubicBezTo>
+                  <a:pt x="233516" y="-8261"/>
+                  <a:pt x="434259" y="64662"/>
+                  <a:pt x="550607" y="167901"/>
+                </a:cubicBezTo>
+                <a:cubicBezTo>
+                  <a:pt x="666955" y="271140"/>
+                  <a:pt x="685800" y="437468"/>
+                  <a:pt x="698091" y="620184"/>
+                </a:cubicBezTo>
+              </a:path>
+            </a:pathLst>
+          </a:custGeom>
+          <a:noFill/>
+        </p:spPr>
+        <p:style>
+          <a:lnRef idx="2">
+            <a:schemeClr val="accent1">
+              <a:shade val="50000"/>
+            </a:schemeClr>
+          </a:lnRef>
+          <a:fillRef idx="1">
+            <a:schemeClr val="accent1"/>
+          </a:fillRef>
+          <a:effectRef idx="0">
+            <a:schemeClr val="accent1"/>
+          </a:effectRef>
+          <a:fontRef idx="minor">
+            <a:schemeClr val="lt1"/>
+          </a:fontRef>
+        </p:style>
+        <p:txBody>
+          <a:bodyPr rtlCol="0" anchor="ctr"/>
+          <a:lstStyle/>
+          <a:p>
+            <a:pPr algn="ctr"/>
+            <a:endParaRPr lang="en-US"/>
+          </a:p>
+        </p:txBody>
+      </p:sp>
+      <p:sp>
+        <p:nvSpPr>
+          <p:cNvPr id="56" name="Freeform 55">
+            <a:extLst>
+              <a:ext uri="{FF2B5EF4-FFF2-40B4-BE49-F238E27FC236}">
+                <a16:creationId xmlns:a16="http://schemas.microsoft.com/office/drawing/2014/main" id="{823F1ED4-F96B-6E4E-89A1-7FA25F559712}"/>
+              </a:ext>
+            </a:extLst>
+          </p:cNvPr>
+          <p:cNvSpPr/>
+          <p:nvPr/>
+        </p:nvSpPr>
+        <p:spPr>
+          <a:xfrm>
+            <a:off x="4965290" y="3234813"/>
+            <a:ext cx="1927123" cy="235974"/>
+          </a:xfrm>
+          <a:custGeom>
+            <a:avLst/>
+            <a:gdLst>
+              <a:gd name="connsiteX0" fmla="*/ 1927123 w 1927123"/>
+              <a:gd name="connsiteY0" fmla="*/ 235974 h 235974"/>
+              <a:gd name="connsiteX1" fmla="*/ 0 w 1927123"/>
+              <a:gd name="connsiteY1" fmla="*/ 0 h 235974"/>
+            </a:gdLst>
+            <a:ahLst/>
+            <a:cxnLst>
+              <a:cxn ang="0">
+                <a:pos x="connsiteX0" y="connsiteY0"/>
+              </a:cxn>
+              <a:cxn ang="0">
+                <a:pos x="connsiteX1" y="connsiteY1"/>
+              </a:cxn>
+            </a:cxnLst>
+            <a:rect l="l" t="t" r="r" b="b"/>
+            <a:pathLst>
+              <a:path w="1927123" h="235974">
+                <a:moveTo>
+                  <a:pt x="1927123" y="235974"/>
+                </a:moveTo>
+                <a:lnTo>
+                  <a:pt x="0" y="0"/>
+                </a:lnTo>
+              </a:path>
+            </a:pathLst>
+          </a:custGeom>
+          <a:noFill/>
+          <a:ln>
+            <a:solidFill>
+              <a:schemeClr val="accent1"/>
+            </a:solidFill>
+            <a:headEnd type="none" w="med" len="med"/>
+            <a:tailEnd type="triangle" w="med" len="med"/>
+          </a:ln>
+        </p:spPr>
+        <p:style>
+          <a:lnRef idx="2">
+            <a:schemeClr val="accent1">
+              <a:shade val="50000"/>
+            </a:schemeClr>
+          </a:lnRef>
+          <a:fillRef idx="1">
+            <a:schemeClr val="accent1"/>
+          </a:fillRef>
+          <a:effectRef idx="0">
+            <a:schemeClr val="accent1"/>
+          </a:effectRef>
+          <a:fontRef idx="minor">
+            <a:schemeClr val="lt1"/>
+          </a:fontRef>
+        </p:style>
+        <p:txBody>
+          <a:bodyPr rtlCol="0" anchor="ctr"/>
+          <a:lstStyle/>
+          <a:p>
+            <a:pPr algn="ctr"/>
+            <a:endParaRPr lang="en-US"/>
+          </a:p>
+        </p:txBody>
+      </p:sp>
+      <p:sp>
+        <p:nvSpPr>
+          <p:cNvPr id="57" name="Freeform 56">
+            <a:extLst>
+              <a:ext uri="{FF2B5EF4-FFF2-40B4-BE49-F238E27FC236}">
+                <a16:creationId xmlns:a16="http://schemas.microsoft.com/office/drawing/2014/main" id="{9FDF0545-1C35-1645-97E7-4F6DDE6666DD}"/>
+              </a:ext>
+            </a:extLst>
+          </p:cNvPr>
+          <p:cNvSpPr/>
+          <p:nvPr/>
+        </p:nvSpPr>
+        <p:spPr>
+          <a:xfrm>
+            <a:off x="5024283" y="3470787"/>
+            <a:ext cx="2005031" cy="2310581"/>
+          </a:xfrm>
+          <a:custGeom>
+            <a:avLst/>
+            <a:gdLst>
+              <a:gd name="connsiteX0" fmla="*/ 1858297 w 2415300"/>
+              <a:gd name="connsiteY0" fmla="*/ 0 h 2310581"/>
+              <a:gd name="connsiteX1" fmla="*/ 2300748 w 2415300"/>
+              <a:gd name="connsiteY1" fmla="*/ 1337187 h 2310581"/>
+              <a:gd name="connsiteX2" fmla="*/ 0 w 2415300"/>
+              <a:gd name="connsiteY2" fmla="*/ 2310581 h 2310581"/>
+              <a:gd name="connsiteX0" fmla="*/ 1858297 w 2140191"/>
+              <a:gd name="connsiteY0" fmla="*/ 0 h 2310581"/>
+              <a:gd name="connsiteX1" fmla="*/ 1907458 w 2140191"/>
+              <a:gd name="connsiteY1" fmla="*/ 1474839 h 2310581"/>
+              <a:gd name="connsiteX2" fmla="*/ 0 w 2140191"/>
+              <a:gd name="connsiteY2" fmla="*/ 2310581 h 2310581"/>
+              <a:gd name="connsiteX0" fmla="*/ 1858297 w 2005031"/>
+              <a:gd name="connsiteY0" fmla="*/ 0 h 2310581"/>
+              <a:gd name="connsiteX1" fmla="*/ 1907458 w 2005031"/>
+              <a:gd name="connsiteY1" fmla="*/ 1474839 h 2310581"/>
+              <a:gd name="connsiteX2" fmla="*/ 0 w 2005031"/>
+              <a:gd name="connsiteY2" fmla="*/ 2310581 h 2310581"/>
+            </a:gdLst>
+            <a:ahLst/>
+            <a:cxnLst>
+              <a:cxn ang="0">
+                <a:pos x="connsiteX0" y="connsiteY0"/>
+              </a:cxn>
+              <a:cxn ang="0">
+                <a:pos x="connsiteX1" y="connsiteY1"/>
+              </a:cxn>
+              <a:cxn ang="0">
+                <a:pos x="connsiteX2" y="connsiteY2"/>
+              </a:cxn>
+            </a:cxnLst>
+            <a:rect l="l" t="t" r="r" b="b"/>
+            <a:pathLst>
+              <a:path w="2005031" h="2310581">
+                <a:moveTo>
+                  <a:pt x="1858297" y="0"/>
+                </a:moveTo>
+                <a:cubicBezTo>
+                  <a:pt x="1673942" y="485878"/>
+                  <a:pt x="2217174" y="1089742"/>
+                  <a:pt x="1907458" y="1474839"/>
+                </a:cubicBezTo>
+                <a:cubicBezTo>
+                  <a:pt x="1597742" y="1859936"/>
+                  <a:pt x="995516" y="2016432"/>
+                  <a:pt x="0" y="2310581"/>
+                </a:cubicBezTo>
+              </a:path>
+            </a:pathLst>
+          </a:custGeom>
+          <a:noFill/>
+          <a:ln>
+            <a:solidFill>
+              <a:schemeClr val="accent1"/>
+            </a:solidFill>
+            <a:headEnd type="none" w="med" len="med"/>
+            <a:tailEnd type="triangle" w="med" len="med"/>
+          </a:ln>
+        </p:spPr>
+        <p:style>
+          <a:lnRef idx="2">
+            <a:schemeClr val="accent1">
+              <a:shade val="50000"/>
+            </a:schemeClr>
+          </a:lnRef>
+          <a:fillRef idx="1">
+            <a:schemeClr val="accent1"/>
+          </a:fillRef>
+          <a:effectRef idx="0">
+            <a:schemeClr val="accent1"/>
+          </a:effectRef>
+          <a:fontRef idx="minor">
+            <a:schemeClr val="lt1"/>
+          </a:fontRef>
+        </p:style>
+        <p:txBody>
+          <a:bodyPr rtlCol="0" anchor="ctr"/>
+          <a:lstStyle/>
+          <a:p>
+            <a:pPr algn="ctr"/>
+            <a:endParaRPr lang="en-US"/>
+          </a:p>
+        </p:txBody>
+      </p:sp>
+      <p:sp>
+        <p:nvSpPr>
+          <p:cNvPr id="58" name="Rounded Rectangle 57">
+            <a:extLst>
+              <a:ext uri="{FF2B5EF4-FFF2-40B4-BE49-F238E27FC236}">
+                <a16:creationId xmlns:a16="http://schemas.microsoft.com/office/drawing/2014/main" id="{61231171-1F96-4E42-8FD3-00B9707BF958}"/>
+              </a:ext>
+            </a:extLst>
+          </p:cNvPr>
+          <p:cNvSpPr/>
+          <p:nvPr/>
+        </p:nvSpPr>
+        <p:spPr>
+          <a:xfrm>
+            <a:off x="5437239" y="2858619"/>
+            <a:ext cx="2456236" cy="2214826"/>
+          </a:xfrm>
+          <a:prstGeom prst="roundRect">
+            <a:avLst/>
+          </a:prstGeom>
+          <a:noFill/>
+        </p:spPr>
+        <p:style>
+          <a:lnRef idx="2">
+            <a:schemeClr val="accent1"/>
+          </a:lnRef>
+          <a:fillRef idx="1">
+            <a:schemeClr val="lt1"/>
+          </a:fillRef>
+          <a:effectRef idx="0">
+            <a:schemeClr val="accent1"/>
+          </a:effectRef>
+          <a:fontRef idx="minor">
+            <a:schemeClr val="dk1"/>
+          </a:fontRef>
+        </p:style>
+        <p:txBody>
+          <a:bodyPr rtlCol="0" anchor="ctr"/>
+          <a:lstStyle/>
+          <a:p>
+            <a:pPr algn="ctr"/>
+            <a:endParaRPr lang="en-US"/>
+          </a:p>
+        </p:txBody>
+      </p:sp>
+      <p:sp>
+        <p:nvSpPr>
+          <p:cNvPr id="60" name="TextBox 59">
+            <a:extLst>
+              <a:ext uri="{FF2B5EF4-FFF2-40B4-BE49-F238E27FC236}">
+                <a16:creationId xmlns:a16="http://schemas.microsoft.com/office/drawing/2014/main" id="{25FC46F2-2014-8F43-846D-A017D3165738}"/>
+              </a:ext>
+            </a:extLst>
+          </p:cNvPr>
+          <p:cNvSpPr txBox="1"/>
+          <p:nvPr/>
+        </p:nvSpPr>
+        <p:spPr>
+          <a:xfrm>
+            <a:off x="6988435" y="4669494"/>
+            <a:ext cx="847668" cy="307777"/>
+          </a:xfrm>
+          <a:prstGeom prst="rect">
+            <a:avLst/>
+          </a:prstGeom>
+          <a:noFill/>
+        </p:spPr>
+        <p:txBody>
+          <a:bodyPr wrap="none" rtlCol="0">
+            <a:spAutoFit/>
+          </a:bodyPr>
+          <a:lstStyle/>
+          <a:p>
+            <a:r>
+              <a:rPr lang="en-US" sz="1400" dirty="0"/>
+              <a:t>Operator</a:t>
+            </a:r>
+          </a:p>
+        </p:txBody>
+      </p:sp>
+    </p:spTree>
+    <p:extLst>
+      <p:ext uri="{BB962C8B-B14F-4D97-AF65-F5344CB8AC3E}">
+        <p14:creationId xmlns:p14="http://schemas.microsoft.com/office/powerpoint/2010/main" val="3063124472"/>
+      </p:ext>
+    </p:extLst>
+  </p:cSld>
+  <p:clrMapOvr>
+    <a:masterClrMapping/>
+  </p:clrMapOvr>
+</p:sld>
+</file>
+
 <file path=ppt/theme/theme1.xml><?xml version="1.0" encoding="utf-8"?>
 <a:theme xmlns:a="http://schemas.openxmlformats.org/drawingml/2006/main" name="Office Theme">
   <a:themeElements>
-    <a:clrScheme name="Custom 1">
+    <a:clrScheme name="Office Theme">
       <a:dk1>
-        <a:srgbClr val="212121"/>
+        <a:sysClr val="windowText" lastClr="000000"/>
       </a:dk1>
       <a:lt1>
-        <a:srgbClr val="FEFFFF"/>
+        <a:sysClr val="window" lastClr="FFFFFF"/>
       </a:lt1>
       <a:dk2>
-        <a:srgbClr val="212121"/>
+        <a:srgbClr val="44546A"/>
       </a:dk2>
       <a:lt2>
-        <a:srgbClr val="FEFFFF"/>
+        <a:srgbClr val="E7E6E6"/>
       </a:lt2>
       <a:accent1>
-        <a:srgbClr val="212121"/>
+        <a:srgbClr val="4472C4"/>
       </a:accent1>
       <a:accent2>
-        <a:srgbClr val="424242"/>
+        <a:srgbClr val="ED7D31"/>
       </a:accent2>
       <a:accent3>
-        <a:srgbClr val="797979"/>
+        <a:srgbClr val="A5A5A5"/>
       </a:accent3>
       <a:accent4>
-        <a:srgbClr val="929292"/>
+        <a:srgbClr val="FFC000"/>
       </a:accent4>
       <a:accent5>
-        <a:srgbClr val="C0C0C0"/>
+        <a:srgbClr val="5B9BD5"/>
       </a:accent5>
       <a:accent6>
-        <a:srgbClr val="EAEAEA"/>
+        <a:srgbClr val="70AD47"/>
       </a:accent6>
       <a:hlink>
-        <a:srgbClr val="0096FF"/>
+        <a:srgbClr val="0563C1"/>
       </a:hlink>
       <a:folHlink>
         <a:srgbClr val="954F72"/>

--- a/optimization/k8s-automation/st-architecture.pptx
+++ b/optimization/k8s-automation/st-architecture.pptx
@@ -5561,52 +5561,6 @@
           </a:fontRef>
         </p:style>
       </p:cxnSp>
-      <p:cxnSp>
-        <p:nvCxnSpPr>
-          <p:cNvPr id="1051" name="Elbow Connector 1050">
-            <a:extLst>
-              <a:ext uri="{FF2B5EF4-FFF2-40B4-BE49-F238E27FC236}">
-                <a16:creationId xmlns:a16="http://schemas.microsoft.com/office/drawing/2014/main" id="{47FDEBCF-85C8-AE4E-BB6E-536427534EFD}"/>
-              </a:ext>
-            </a:extLst>
-          </p:cNvPr>
-          <p:cNvCxnSpPr>
-            <a:cxnSpLocks/>
-            <a:endCxn id="16" idx="2"/>
-          </p:cNvCxnSpPr>
-          <p:nvPr/>
-        </p:nvCxnSpPr>
-        <p:spPr>
-          <a:xfrm rot="16200000" flipH="1">
-            <a:off x="5723742" y="1607158"/>
-            <a:ext cx="217018" cy="8918200"/>
-          </a:xfrm>
-          <a:prstGeom prst="bentConnector3">
-            <a:avLst>
-              <a:gd name="adj1" fmla="val 205337"/>
-            </a:avLst>
-          </a:prstGeom>
-          <a:ln w="28575">
-            <a:solidFill>
-              <a:srgbClr val="00B050"/>
-            </a:solidFill>
-          </a:ln>
-        </p:spPr>
-        <p:style>
-          <a:lnRef idx="1">
-            <a:schemeClr val="accent1"/>
-          </a:lnRef>
-          <a:fillRef idx="0">
-            <a:schemeClr val="accent1"/>
-          </a:fillRef>
-          <a:effectRef idx="0">
-            <a:schemeClr val="accent1"/>
-          </a:effectRef>
-          <a:fontRef idx="minor">
-            <a:schemeClr val="tx1"/>
-          </a:fontRef>
-        </p:style>
-      </p:cxnSp>
       <p:sp>
         <p:nvSpPr>
           <p:cNvPr id="1056" name="TextBox 1055">
@@ -5794,49 +5748,6 @@
             <a:r>
               <a:rPr lang="en-US" sz="900" dirty="0"/>
               <a:t>Proxy intercepts and forwards all http requests to the app, counting how many times they occur</a:t>
-            </a:r>
-          </a:p>
-        </p:txBody>
-      </p:sp>
-      <p:sp>
-        <p:nvSpPr>
-          <p:cNvPr id="139" name="TextBox 138">
-            <a:extLst>
-              <a:ext uri="{FF2B5EF4-FFF2-40B4-BE49-F238E27FC236}">
-                <a16:creationId xmlns:a16="http://schemas.microsoft.com/office/drawing/2014/main" id="{3776E782-FB47-9940-B7FF-8FFFEAB67BB3}"/>
-              </a:ext>
-            </a:extLst>
-          </p:cNvPr>
-          <p:cNvSpPr txBox="1"/>
-          <p:nvPr/>
-        </p:nvSpPr>
-        <p:spPr>
-          <a:xfrm>
-            <a:off x="2930973" y="6414353"/>
-            <a:ext cx="4349393" cy="369332"/>
-          </a:xfrm>
-          <a:prstGeom prst="rect">
-            <a:avLst/>
-          </a:prstGeom>
-          <a:noFill/>
-        </p:spPr>
-        <p:txBody>
-          <a:bodyPr wrap="square" rtlCol="0">
-            <a:spAutoFit/>
-          </a:bodyPr>
-          <a:lstStyle/>
-          <a:p>
-            <a:r>
-              <a:rPr lang="en-US" sz="900" dirty="0"/>
-              <a:t>When SmartTuning finds a config better than the current in production pod, its </a:t>
-            </a:r>
-            <a:r>
-              <a:rPr lang="en-US" sz="900" dirty="0" err="1"/>
-              <a:t>configmap</a:t>
-            </a:r>
-            <a:r>
-              <a:rPr lang="en-US" sz="900" dirty="0"/>
-              <a:t> is updated and it automatically reloads</a:t>
             </a:r>
           </a:p>
         </p:txBody>
@@ -7428,6 +7339,10 @@
             </a:pathLst>
           </a:custGeom>
           <a:noFill/>
+          <a:ln>
+            <a:headEnd type="none" w="med" len="med"/>
+            <a:tailEnd type="triangle" w="med" len="med"/>
+          </a:ln>
         </p:spPr>
         <p:style>
           <a:lnRef idx="2">
